--- a/ASMU432/ppts/PunkRock.pptx
+++ b/ASMU432/ppts/PunkRock.pptx
@@ -256,7 +256,7 @@
           <a:p>
             <a:fld id="{802CF8DB-62E5-41AE-946A-AEF6F789F692}" type="datetimeFigureOut">
               <a:rPr lang="en-US" smtClean="0"/>
-              <a:t>3/21/18</a:t>
+              <a:t>12/11/2018</a:t>
             </a:fld>
             <a:endParaRPr lang="en-US"/>
           </a:p>
@@ -424,7 +424,7 @@
           <a:p>
             <a:fld id="{802CF8DB-62E5-41AE-946A-AEF6F789F692}" type="datetimeFigureOut">
               <a:rPr lang="en-US" smtClean="0"/>
-              <a:t>3/21/18</a:t>
+              <a:t>12/11/2018</a:t>
             </a:fld>
             <a:endParaRPr lang="en-US"/>
           </a:p>
@@ -602,7 +602,7 @@
           <a:p>
             <a:fld id="{802CF8DB-62E5-41AE-946A-AEF6F789F692}" type="datetimeFigureOut">
               <a:rPr lang="en-US" smtClean="0"/>
-              <a:t>3/21/18</a:t>
+              <a:t>12/11/2018</a:t>
             </a:fld>
             <a:endParaRPr lang="en-US"/>
           </a:p>
@@ -770,7 +770,7 @@
           <a:p>
             <a:fld id="{802CF8DB-62E5-41AE-946A-AEF6F789F692}" type="datetimeFigureOut">
               <a:rPr lang="en-US" smtClean="0"/>
-              <a:t>3/21/18</a:t>
+              <a:t>12/11/2018</a:t>
             </a:fld>
             <a:endParaRPr lang="en-US"/>
           </a:p>
@@ -1015,7 +1015,7 @@
           <a:p>
             <a:fld id="{802CF8DB-62E5-41AE-946A-AEF6F789F692}" type="datetimeFigureOut">
               <a:rPr lang="en-US" smtClean="0"/>
-              <a:t>3/21/18</a:t>
+              <a:t>12/11/2018</a:t>
             </a:fld>
             <a:endParaRPr lang="en-US"/>
           </a:p>
@@ -1244,7 +1244,7 @@
           <a:p>
             <a:fld id="{802CF8DB-62E5-41AE-946A-AEF6F789F692}" type="datetimeFigureOut">
               <a:rPr lang="en-US" smtClean="0"/>
-              <a:t>3/21/18</a:t>
+              <a:t>12/11/2018</a:t>
             </a:fld>
             <a:endParaRPr lang="en-US"/>
           </a:p>
@@ -1608,7 +1608,7 @@
           <a:p>
             <a:fld id="{802CF8DB-62E5-41AE-946A-AEF6F789F692}" type="datetimeFigureOut">
               <a:rPr lang="en-US" smtClean="0"/>
-              <a:t>3/21/18</a:t>
+              <a:t>12/11/2018</a:t>
             </a:fld>
             <a:endParaRPr lang="en-US"/>
           </a:p>
@@ -1725,7 +1725,7 @@
           <a:p>
             <a:fld id="{802CF8DB-62E5-41AE-946A-AEF6F789F692}" type="datetimeFigureOut">
               <a:rPr lang="en-US" smtClean="0"/>
-              <a:t>3/21/18</a:t>
+              <a:t>12/11/2018</a:t>
             </a:fld>
             <a:endParaRPr lang="en-US"/>
           </a:p>
@@ -1820,7 +1820,7 @@
           <a:p>
             <a:fld id="{802CF8DB-62E5-41AE-946A-AEF6F789F692}" type="datetimeFigureOut">
               <a:rPr lang="en-US" smtClean="0"/>
-              <a:t>3/21/18</a:t>
+              <a:t>12/11/2018</a:t>
             </a:fld>
             <a:endParaRPr lang="en-US"/>
           </a:p>
@@ -2095,7 +2095,7 @@
           <a:p>
             <a:fld id="{802CF8DB-62E5-41AE-946A-AEF6F789F692}" type="datetimeFigureOut">
               <a:rPr lang="en-US" smtClean="0"/>
-              <a:t>3/21/18</a:t>
+              <a:t>12/11/2018</a:t>
             </a:fld>
             <a:endParaRPr lang="en-US"/>
           </a:p>
@@ -2347,7 +2347,7 @@
           <a:p>
             <a:fld id="{802CF8DB-62E5-41AE-946A-AEF6F789F692}" type="datetimeFigureOut">
               <a:rPr lang="en-US" smtClean="0"/>
-              <a:t>3/21/18</a:t>
+              <a:t>12/11/2018</a:t>
             </a:fld>
             <a:endParaRPr lang="en-US"/>
           </a:p>
@@ -2568,7 +2568,7 @@
           <a:p>
             <a:fld id="{802CF8DB-62E5-41AE-946A-AEF6F789F692}" type="datetimeFigureOut">
               <a:rPr lang="en-US" smtClean="0"/>
-              <a:t>3/21/18</a:t>
+              <a:t>12/11/2018</a:t>
             </a:fld>
             <a:endParaRPr lang="en-US"/>
           </a:p>
@@ -4310,7 +4310,7 @@
               <a:rPr lang="en-US" dirty="0">
                 <a:hlinkClick r:id="rId3"/>
               </a:rPr>
-              <a:t>https://www.youtube.com/watch?v=N7qF3_3N50M</a:t>
+              <a:t>https://www.youtube.com/watch?v=chd_JUkec8M</a:t>
             </a:r>
             <a:endParaRPr lang="en-US" dirty="0"/>
           </a:p>
@@ -4430,7 +4430,7 @@
         </p:spPr>
         <p:txBody>
           <a:bodyPr>
-            <a:normAutofit fontScale="92500" lnSpcReduction="10000"/>
+            <a:normAutofit fontScale="92500" lnSpcReduction="20000"/>
           </a:bodyPr>
           <a:lstStyle/>
           <a:p>
@@ -4458,7 +4458,7 @@
           <a:p>
             <a:r>
               <a:rPr lang="en-US" dirty="0"/>
-              <a:t>Raised in working-class, bible educated household.</a:t>
+              <a:t>Raised in working-class, bible educated household: “I, the country mouse.”</a:t>
             </a:r>
           </a:p>
           <a:p>
@@ -4911,14 +4911,10 @@
           </a:p>
           <a:p>
             <a:r>
-              <a:rPr lang="en-US" dirty="0"/>
-              <a:t>Blitzkrieg Bop: </a:t>
-            </a:r>
-            <a:r>
               <a:rPr lang="en-US" dirty="0">
                 <a:hlinkClick r:id="rId2"/>
               </a:rPr>
-              <a:t>https://www.youtube.com/watch?v=hPp0-3Vo2uM</a:t>
+              <a:t>https://www.youtube.com/watch?v=IwsVWZ-c8Eo</a:t>
             </a:r>
             <a:endParaRPr lang="en-US" dirty="0"/>
           </a:p>
@@ -5031,44 +5027,37 @@
           <a:p>
             <a:r>
               <a:rPr lang="en-US" dirty="0"/>
-              <a:t>Femme Fatale at the CBGB: </a:t>
+              <a:t>Femme Fatale at the CBGB: https://www.youtube.com/watch?v=WpnWD-ZQ6TU </a:t>
+            </a:r>
+          </a:p>
+          <a:p>
+            <a:r>
+              <a:rPr lang="en-US" dirty="0"/>
+              <a:t>First popular in Australia: “In the Flesh”</a:t>
+            </a:r>
+          </a:p>
+          <a:p>
+            <a:r>
+              <a:rPr lang="en-US" dirty="0"/>
+              <a:t>UK: "(I'm Always Touched by Your) Presence, Dear" reached British top ten.</a:t>
+            </a:r>
+          </a:p>
+          <a:p>
+            <a:r>
+              <a:rPr lang="en-US" dirty="0"/>
+              <a:t>USA, Canada: commercial success, but not punk: Sept 1978 album </a:t>
+            </a:r>
+            <a:r>
+              <a:rPr lang="en-US" i="1" dirty="0"/>
+              <a:t>Parallel Lines</a:t>
+            </a:r>
+            <a:r>
+              <a:rPr lang="en-US" dirty="0"/>
+              <a:t>: single “Heart of Glass”: </a:t>
             </a:r>
             <a:r>
               <a:rPr lang="en-US" dirty="0">
                 <a:hlinkClick r:id="rId2"/>
-              </a:rPr>
-              <a:t>https://www.youtube.com/watch?v=p7oFoXh_95E</a:t>
-            </a:r>
-            <a:endParaRPr lang="en-US" dirty="0"/>
-          </a:p>
-          <a:p>
-            <a:r>
-              <a:rPr lang="en-US" dirty="0"/>
-              <a:t>First popular in Australia: “In the Flesh”</a:t>
-            </a:r>
-          </a:p>
-          <a:p>
-            <a:r>
-              <a:rPr lang="en-US" dirty="0"/>
-              <a:t>UK: "(I'm Always Touched by Your) Presence, Dear" reached British top ten.</a:t>
-            </a:r>
-          </a:p>
-          <a:p>
-            <a:r>
-              <a:rPr lang="en-US" dirty="0"/>
-              <a:t>USA, Canada: commercial success, but not punk: Sept 1978 album </a:t>
-            </a:r>
-            <a:r>
-              <a:rPr lang="en-US" i="1" dirty="0"/>
-              <a:t>Parallel Lines</a:t>
-            </a:r>
-            <a:r>
-              <a:rPr lang="en-US" dirty="0"/>
-              <a:t>: single “Heart of Glass”: </a:t>
-            </a:r>
-            <a:r>
-              <a:rPr lang="en-US" dirty="0">
-                <a:hlinkClick r:id="rId3"/>
               </a:rPr>
               <a:t>https://www.youtube.com/watch?v=AsYbMnQd6c8</a:t>
             </a:r>
@@ -5088,7 +5077,7 @@
           <p:nvPr/>
         </p:nvPicPr>
         <p:blipFill>
-          <a:blip r:embed="rId4">
+          <a:blip r:embed="rId3">
             <a:extLst>
               <a:ext uri="{28A0092B-C50C-407E-A947-70E740481C1C}">
                 <a14:useLocalDpi xmlns:a14="http://schemas.microsoft.com/office/drawing/2010/main" val="0"/>

--- a/ASMU432/ppts/PunkRock.pptx
+++ b/ASMU432/ppts/PunkRock.pptx
@@ -8,19 +8,20 @@
     <p:sldId id="256" r:id="rId2"/>
     <p:sldId id="257" r:id="rId3"/>
     <p:sldId id="263" r:id="rId4"/>
-    <p:sldId id="258" r:id="rId5"/>
+    <p:sldId id="272" r:id="rId5"/>
     <p:sldId id="259" r:id="rId6"/>
-    <p:sldId id="260" r:id="rId7"/>
-    <p:sldId id="261" r:id="rId8"/>
-    <p:sldId id="262" r:id="rId9"/>
-    <p:sldId id="264" r:id="rId10"/>
-    <p:sldId id="265" r:id="rId11"/>
-    <p:sldId id="266" r:id="rId12"/>
-    <p:sldId id="267" r:id="rId13"/>
-    <p:sldId id="268" r:id="rId14"/>
-    <p:sldId id="269" r:id="rId15"/>
-    <p:sldId id="270" r:id="rId16"/>
-    <p:sldId id="271" r:id="rId17"/>
+    <p:sldId id="258" r:id="rId7"/>
+    <p:sldId id="260" r:id="rId8"/>
+    <p:sldId id="261" r:id="rId9"/>
+    <p:sldId id="262" r:id="rId10"/>
+    <p:sldId id="264" r:id="rId11"/>
+    <p:sldId id="265" r:id="rId12"/>
+    <p:sldId id="266" r:id="rId13"/>
+    <p:sldId id="267" r:id="rId14"/>
+    <p:sldId id="268" r:id="rId15"/>
+    <p:sldId id="269" r:id="rId16"/>
+    <p:sldId id="270" r:id="rId17"/>
+    <p:sldId id="271" r:id="rId18"/>
   </p:sldIdLst>
   <p:sldSz cx="12192000" cy="6858000"/>
   <p:notesSz cx="6858000" cy="9144000"/>
@@ -127,6 +128,135 @@
 </p:presentation>
 </file>
 
+<file path=ppt/revisionInfo.xml><?xml version="1.0" encoding="utf-8"?>
+<p1510:revInfo xmlns:a="http://schemas.openxmlformats.org/drawingml/2006/main" xmlns:r="http://schemas.openxmlformats.org/officeDocument/2006/relationships" xmlns:p1510="http://schemas.microsoft.com/office/powerpoint/2015/10/main">
+  <p1510:revLst>
+    <p1510:client id="{69F75E58-7AB0-451B-91BB-09CED029DB7C}" v="9" dt="2019-11-19T00:09:52.740"/>
+  </p1510:revLst>
+</p1510:revInfo>
+</file>
+
+<file path=ppt/changesInfos/changesInfo1.xml><?xml version="1.0" encoding="utf-8"?>
+<pc:chgInfo xmlns:a="http://schemas.openxmlformats.org/drawingml/2006/main" xmlns:r="http://schemas.openxmlformats.org/officeDocument/2006/relationships" xmlns:ac="http://schemas.microsoft.com/office/drawing/2013/main/command" xmlns:pc="http://schemas.microsoft.com/office/powerpoint/2013/main/command">
+  <pc:docChgLst>
+    <pc:chgData name="Mark Baker" userId="7debe814d9197520" providerId="LiveId" clId="{69F75E58-7AB0-451B-91BB-09CED029DB7C}"/>
+    <pc:docChg chg="custSel mod addSld modSld sldOrd">
+      <pc:chgData name="Mark Baker" userId="7debe814d9197520" providerId="LiveId" clId="{69F75E58-7AB0-451B-91BB-09CED029DB7C}" dt="2019-11-20T23:22:34.868" v="285" actId="20577"/>
+      <pc:docMkLst>
+        <pc:docMk/>
+      </pc:docMkLst>
+      <pc:sldChg chg="ord">
+        <pc:chgData name="Mark Baker" userId="7debe814d9197520" providerId="LiveId" clId="{69F75E58-7AB0-451B-91BB-09CED029DB7C}" dt="2019-11-18T23:57:28.356" v="197"/>
+        <pc:sldMkLst>
+          <pc:docMk/>
+          <pc:sldMk cId="2089476751" sldId="259"/>
+        </pc:sldMkLst>
+      </pc:sldChg>
+      <pc:sldChg chg="modSp">
+        <pc:chgData name="Mark Baker" userId="7debe814d9197520" providerId="LiveId" clId="{69F75E58-7AB0-451B-91BB-09CED029DB7C}" dt="2019-11-19T00:06:29.935" v="279"/>
+        <pc:sldMkLst>
+          <pc:docMk/>
+          <pc:sldMk cId="2950470830" sldId="261"/>
+        </pc:sldMkLst>
+        <pc:spChg chg="mod">
+          <ac:chgData name="Mark Baker" userId="7debe814d9197520" providerId="LiveId" clId="{69F75E58-7AB0-451B-91BB-09CED029DB7C}" dt="2019-11-19T00:06:29.935" v="279"/>
+          <ac:spMkLst>
+            <pc:docMk/>
+            <pc:sldMk cId="2950470830" sldId="261"/>
+            <ac:spMk id="3" creationId="{00000000-0000-0000-0000-000000000000}"/>
+          </ac:spMkLst>
+        </pc:spChg>
+      </pc:sldChg>
+      <pc:sldChg chg="modSp">
+        <pc:chgData name="Mark Baker" userId="7debe814d9197520" providerId="LiveId" clId="{69F75E58-7AB0-451B-91BB-09CED029DB7C}" dt="2019-11-20T23:22:34.868" v="285" actId="20577"/>
+        <pc:sldMkLst>
+          <pc:docMk/>
+          <pc:sldMk cId="3055676446" sldId="264"/>
+        </pc:sldMkLst>
+        <pc:spChg chg="mod">
+          <ac:chgData name="Mark Baker" userId="7debe814d9197520" providerId="LiveId" clId="{69F75E58-7AB0-451B-91BB-09CED029DB7C}" dt="2019-11-20T23:22:34.868" v="285" actId="20577"/>
+          <ac:spMkLst>
+            <pc:docMk/>
+            <pc:sldMk cId="3055676446" sldId="264"/>
+            <ac:spMk id="3" creationId="{00000000-0000-0000-0000-000000000000}"/>
+          </ac:spMkLst>
+        </pc:spChg>
+      </pc:sldChg>
+      <pc:sldChg chg="modSp">
+        <pc:chgData name="Mark Baker" userId="7debe814d9197520" providerId="LiveId" clId="{69F75E58-7AB0-451B-91BB-09CED029DB7C}" dt="2019-11-19T00:10:13.057" v="283" actId="14100"/>
+        <pc:sldMkLst>
+          <pc:docMk/>
+          <pc:sldMk cId="2214323883" sldId="268"/>
+        </pc:sldMkLst>
+        <pc:spChg chg="mod">
+          <ac:chgData name="Mark Baker" userId="7debe814d9197520" providerId="LiveId" clId="{69F75E58-7AB0-451B-91BB-09CED029DB7C}" dt="2019-11-19T00:10:13.057" v="283" actId="14100"/>
+          <ac:spMkLst>
+            <pc:docMk/>
+            <pc:sldMk cId="2214323883" sldId="268"/>
+            <ac:spMk id="2" creationId="{00000000-0000-0000-0000-000000000000}"/>
+          </ac:spMkLst>
+        </pc:spChg>
+      </pc:sldChg>
+      <pc:sldChg chg="addSp delSp modSp add mod setBg">
+        <pc:chgData name="Mark Baker" userId="7debe814d9197520" providerId="LiveId" clId="{69F75E58-7AB0-451B-91BB-09CED029DB7C}" dt="2019-11-18T04:44:54.027" v="196" actId="255"/>
+        <pc:sldMkLst>
+          <pc:docMk/>
+          <pc:sldMk cId="1787016478" sldId="272"/>
+        </pc:sldMkLst>
+        <pc:spChg chg="mod">
+          <ac:chgData name="Mark Baker" userId="7debe814d9197520" providerId="LiveId" clId="{69F75E58-7AB0-451B-91BB-09CED029DB7C}" dt="2019-11-18T04:44:54.027" v="196" actId="255"/>
+          <ac:spMkLst>
+            <pc:docMk/>
+            <pc:sldMk cId="1787016478" sldId="272"/>
+            <ac:spMk id="2" creationId="{17136E00-0E82-4DDB-B2B7-38698FB38FC0}"/>
+          </ac:spMkLst>
+        </pc:spChg>
+        <pc:spChg chg="del">
+          <ac:chgData name="Mark Baker" userId="7debe814d9197520" providerId="LiveId" clId="{69F75E58-7AB0-451B-91BB-09CED029DB7C}" dt="2019-11-18T04:37:32.074" v="17" actId="931"/>
+          <ac:spMkLst>
+            <pc:docMk/>
+            <pc:sldMk cId="1787016478" sldId="272"/>
+            <ac:spMk id="3" creationId="{B786C095-52E7-4250-8B52-58D41B64363E}"/>
+          </ac:spMkLst>
+        </pc:spChg>
+        <pc:spChg chg="mod ord">
+          <ac:chgData name="Mark Baker" userId="7debe814d9197520" providerId="LiveId" clId="{69F75E58-7AB0-451B-91BB-09CED029DB7C}" dt="2019-11-18T04:41:51.263" v="195" actId="26606"/>
+          <ac:spMkLst>
+            <pc:docMk/>
+            <pc:sldMk cId="1787016478" sldId="272"/>
+            <ac:spMk id="4" creationId="{58A7B1BB-7289-4408-83EE-0DCF5A89EAA9}"/>
+          </ac:spMkLst>
+        </pc:spChg>
+        <pc:spChg chg="add">
+          <ac:chgData name="Mark Baker" userId="7debe814d9197520" providerId="LiveId" clId="{69F75E58-7AB0-451B-91BB-09CED029DB7C}" dt="2019-11-18T04:41:51.263" v="195" actId="26606"/>
+          <ac:spMkLst>
+            <pc:docMk/>
+            <pc:sldMk cId="1787016478" sldId="272"/>
+            <ac:spMk id="11" creationId="{4038CB10-1F5C-4D54-9DF7-12586DE5B007}"/>
+          </ac:spMkLst>
+        </pc:spChg>
+        <pc:spChg chg="add">
+          <ac:chgData name="Mark Baker" userId="7debe814d9197520" providerId="LiveId" clId="{69F75E58-7AB0-451B-91BB-09CED029DB7C}" dt="2019-11-18T04:41:51.263" v="195" actId="26606"/>
+          <ac:spMkLst>
+            <pc:docMk/>
+            <pc:sldMk cId="1787016478" sldId="272"/>
+            <ac:spMk id="13" creationId="{73ED6512-6858-4552-B699-9A97FE9A4EA2}"/>
+          </ac:spMkLst>
+        </pc:spChg>
+        <pc:picChg chg="add mod ord">
+          <ac:chgData name="Mark Baker" userId="7debe814d9197520" providerId="LiveId" clId="{69F75E58-7AB0-451B-91BB-09CED029DB7C}" dt="2019-11-18T04:41:51.263" v="195" actId="26606"/>
+          <ac:picMkLst>
+            <pc:docMk/>
+            <pc:sldMk cId="1787016478" sldId="272"/>
+            <ac:picMk id="6" creationId="{707122FC-86CB-4240-8E99-CC1B4EC1E593}"/>
+          </ac:picMkLst>
+        </pc:picChg>
+      </pc:sldChg>
+    </pc:docChg>
+  </pc:docChgLst>
+</pc:chgInfo>
+</file>
+
 <file path=ppt/slideLayouts/slideLayout1.xml><?xml version="1.0" encoding="utf-8"?>
 <p:sldLayout xmlns:a="http://schemas.openxmlformats.org/drawingml/2006/main" xmlns:r="http://schemas.openxmlformats.org/officeDocument/2006/relationships" xmlns:p="http://schemas.openxmlformats.org/presentationml/2006/main" showMasterSp="0" type="title" preserve="1">
   <p:cSld name="Title Slide">
@@ -256,7 +386,7 @@
           <a:p>
             <a:fld id="{802CF8DB-62E5-41AE-946A-AEF6F789F692}" type="datetimeFigureOut">
               <a:rPr lang="en-US" smtClean="0"/>
-              <a:t>12/11/2018</a:t>
+              <a:t>11/20/2019</a:t>
             </a:fld>
             <a:endParaRPr lang="en-US"/>
           </a:p>
@@ -424,7 +554,7 @@
           <a:p>
             <a:fld id="{802CF8DB-62E5-41AE-946A-AEF6F789F692}" type="datetimeFigureOut">
               <a:rPr lang="en-US" smtClean="0"/>
-              <a:t>12/11/2018</a:t>
+              <a:t>11/20/2019</a:t>
             </a:fld>
             <a:endParaRPr lang="en-US"/>
           </a:p>
@@ -602,7 +732,7 @@
           <a:p>
             <a:fld id="{802CF8DB-62E5-41AE-946A-AEF6F789F692}" type="datetimeFigureOut">
               <a:rPr lang="en-US" smtClean="0"/>
-              <a:t>12/11/2018</a:t>
+              <a:t>11/20/2019</a:t>
             </a:fld>
             <a:endParaRPr lang="en-US"/>
           </a:p>
@@ -770,7 +900,7 @@
           <a:p>
             <a:fld id="{802CF8DB-62E5-41AE-946A-AEF6F789F692}" type="datetimeFigureOut">
               <a:rPr lang="en-US" smtClean="0"/>
-              <a:t>12/11/2018</a:t>
+              <a:t>11/20/2019</a:t>
             </a:fld>
             <a:endParaRPr lang="en-US"/>
           </a:p>
@@ -1015,7 +1145,7 @@
           <a:p>
             <a:fld id="{802CF8DB-62E5-41AE-946A-AEF6F789F692}" type="datetimeFigureOut">
               <a:rPr lang="en-US" smtClean="0"/>
-              <a:t>12/11/2018</a:t>
+              <a:t>11/20/2019</a:t>
             </a:fld>
             <a:endParaRPr lang="en-US"/>
           </a:p>
@@ -1244,7 +1374,7 @@
           <a:p>
             <a:fld id="{802CF8DB-62E5-41AE-946A-AEF6F789F692}" type="datetimeFigureOut">
               <a:rPr lang="en-US" smtClean="0"/>
-              <a:t>12/11/2018</a:t>
+              <a:t>11/20/2019</a:t>
             </a:fld>
             <a:endParaRPr lang="en-US"/>
           </a:p>
@@ -1608,7 +1738,7 @@
           <a:p>
             <a:fld id="{802CF8DB-62E5-41AE-946A-AEF6F789F692}" type="datetimeFigureOut">
               <a:rPr lang="en-US" smtClean="0"/>
-              <a:t>12/11/2018</a:t>
+              <a:t>11/20/2019</a:t>
             </a:fld>
             <a:endParaRPr lang="en-US"/>
           </a:p>
@@ -1725,7 +1855,7 @@
           <a:p>
             <a:fld id="{802CF8DB-62E5-41AE-946A-AEF6F789F692}" type="datetimeFigureOut">
               <a:rPr lang="en-US" smtClean="0"/>
-              <a:t>12/11/2018</a:t>
+              <a:t>11/20/2019</a:t>
             </a:fld>
             <a:endParaRPr lang="en-US"/>
           </a:p>
@@ -1820,7 +1950,7 @@
           <a:p>
             <a:fld id="{802CF8DB-62E5-41AE-946A-AEF6F789F692}" type="datetimeFigureOut">
               <a:rPr lang="en-US" smtClean="0"/>
-              <a:t>12/11/2018</a:t>
+              <a:t>11/20/2019</a:t>
             </a:fld>
             <a:endParaRPr lang="en-US"/>
           </a:p>
@@ -2095,7 +2225,7 @@
           <a:p>
             <a:fld id="{802CF8DB-62E5-41AE-946A-AEF6F789F692}" type="datetimeFigureOut">
               <a:rPr lang="en-US" smtClean="0"/>
-              <a:t>12/11/2018</a:t>
+              <a:t>11/20/2019</a:t>
             </a:fld>
             <a:endParaRPr lang="en-US"/>
           </a:p>
@@ -2347,7 +2477,7 @@
           <a:p>
             <a:fld id="{802CF8DB-62E5-41AE-946A-AEF6F789F692}" type="datetimeFigureOut">
               <a:rPr lang="en-US" smtClean="0"/>
-              <a:t>12/11/2018</a:t>
+              <a:t>11/20/2019</a:t>
             </a:fld>
             <a:endParaRPr lang="en-US"/>
           </a:p>
@@ -2568,7 +2698,7 @@
           <a:p>
             <a:fld id="{802CF8DB-62E5-41AE-946A-AEF6F789F692}" type="datetimeFigureOut">
               <a:rPr lang="en-US" smtClean="0"/>
-              <a:t>12/11/2018</a:t>
+              <a:t>11/20/2019</a:t>
             </a:fld>
             <a:endParaRPr lang="en-US"/>
           </a:p>
@@ -3066,6 +3196,151 @@
             <p:ph type="title"/>
           </p:nvPr>
         </p:nvSpPr>
+        <p:spPr>
+          <a:xfrm>
+            <a:off x="838200" y="365125"/>
+            <a:ext cx="11023242" cy="781095"/>
+          </a:xfrm>
+        </p:spPr>
+        <p:txBody>
+          <a:bodyPr>
+            <a:noAutofit/>
+          </a:bodyPr>
+          <a:lstStyle/>
+          <a:p>
+            <a:r>
+              <a:rPr lang="en-US" sz="6000" i="1" dirty="0">
+                <a:latin typeface="Aharoni" panose="02010803020104030203" pitchFamily="2" charset="-79"/>
+                <a:cs typeface="Aharoni" panose="02010803020104030203" pitchFamily="2" charset="-79"/>
+              </a:rPr>
+              <a:t>Punk Rock, the British Variety</a:t>
+            </a:r>
+          </a:p>
+        </p:txBody>
+      </p:sp>
+      <p:sp>
+        <p:nvSpPr>
+          <p:cNvPr id="3" name="Content Placeholder 2"/>
+          <p:cNvSpPr>
+            <a:spLocks noGrp="1"/>
+          </p:cNvSpPr>
+          <p:nvPr>
+            <p:ph idx="1"/>
+          </p:nvPr>
+        </p:nvSpPr>
+        <p:spPr>
+          <a:xfrm>
+            <a:off x="838200" y="1313645"/>
+            <a:ext cx="10515600" cy="4863318"/>
+          </a:xfrm>
+        </p:spPr>
+        <p:txBody>
+          <a:bodyPr/>
+          <a:lstStyle/>
+          <a:p>
+            <a:r>
+              <a:rPr lang="en-US" dirty="0"/>
+              <a:t>Old England was dying (</a:t>
+            </a:r>
+            <a:r>
+              <a:rPr lang="en-US" dirty="0" err="1"/>
+              <a:t>Waterboys</a:t>
+            </a:r>
+            <a:r>
+              <a:rPr lang="en-US" dirty="0"/>
+              <a:t>, “Old England”, 1985)</a:t>
+            </a:r>
+          </a:p>
+          <a:p>
+            <a:r>
+              <a:rPr lang="en-US" dirty="0"/>
+              <a:t>1974-1977: unemployment from 3.4 to 6.0%, grew by 200% amongst youths.</a:t>
+            </a:r>
+          </a:p>
+          <a:p>
+            <a:r>
+              <a:rPr lang="en-US" dirty="0"/>
+              <a:t>1976: inflation rate of 22.7%</a:t>
+            </a:r>
+          </a:p>
+          <a:p>
+            <a:r>
+              <a:rPr lang="en-US" dirty="0"/>
+              <a:t>1977: inflation rate of 16.7%</a:t>
+            </a:r>
+          </a:p>
+          <a:p>
+            <a:r>
+              <a:rPr lang="en-US" dirty="0"/>
+              <a:t>1976: UK government applied and received a 3.6 billion pound loan from IMF.</a:t>
+            </a:r>
+          </a:p>
+          <a:p>
+            <a:r>
+              <a:rPr lang="en-US" dirty="0"/>
+              <a:t>Dying empire: de-colonization</a:t>
+            </a:r>
+          </a:p>
+          <a:p>
+            <a:r>
+              <a:rPr lang="en-US" dirty="0"/>
+              <a:t>Youth unemployment</a:t>
+            </a:r>
+          </a:p>
+          <a:p>
+            <a:r>
+              <a:rPr lang="en-US" dirty="0"/>
+              <a:t>High inflation</a:t>
+            </a:r>
+          </a:p>
+          <a:p>
+            <a:endParaRPr lang="en-US" dirty="0"/>
+          </a:p>
+          <a:p>
+            <a:endParaRPr lang="en-US" dirty="0"/>
+          </a:p>
+        </p:txBody>
+      </p:sp>
+    </p:spTree>
+    <p:extLst>
+      <p:ext uri="{BB962C8B-B14F-4D97-AF65-F5344CB8AC3E}">
+        <p14:creationId xmlns:p14="http://schemas.microsoft.com/office/powerpoint/2010/main" val="3055676446"/>
+      </p:ext>
+    </p:extLst>
+  </p:cSld>
+  <p:clrMapOvr>
+    <a:masterClrMapping/>
+  </p:clrMapOvr>
+</p:sld>
+</file>
+
+<file path=ppt/slides/slide11.xml><?xml version="1.0" encoding="utf-8"?>
+<p:sld xmlns:a="http://schemas.openxmlformats.org/drawingml/2006/main" xmlns:r="http://schemas.openxmlformats.org/officeDocument/2006/relationships" xmlns:p="http://schemas.openxmlformats.org/presentationml/2006/main">
+  <p:cSld>
+    <p:spTree>
+      <p:nvGrpSpPr>
+        <p:cNvPr id="1" name=""/>
+        <p:cNvGrpSpPr/>
+        <p:nvPr/>
+      </p:nvGrpSpPr>
+      <p:grpSpPr>
+        <a:xfrm>
+          <a:off x="0" y="0"/>
+          <a:ext cx="0" cy="0"/>
+          <a:chOff x="0" y="0"/>
+          <a:chExt cx="0" cy="0"/>
+        </a:xfrm>
+      </p:grpSpPr>
+      <p:sp>
+        <p:nvSpPr>
+          <p:cNvPr id="2" name="Title 1"/>
+          <p:cNvSpPr>
+            <a:spLocks noGrp="1"/>
+          </p:cNvSpPr>
+          <p:nvPr>
+            <p:ph type="title"/>
+          </p:nvPr>
+        </p:nvSpPr>
         <p:spPr/>
         <p:txBody>
           <a:bodyPr>
@@ -3193,147 +3468,6 @@
 </p:sld>
 </file>
 
-<file path=ppt/slides/slide11.xml><?xml version="1.0" encoding="utf-8"?>
-<p:sld xmlns:a="http://schemas.openxmlformats.org/drawingml/2006/main" xmlns:r="http://schemas.openxmlformats.org/officeDocument/2006/relationships" xmlns:p="http://schemas.openxmlformats.org/presentationml/2006/main">
-  <p:cSld>
-    <p:spTree>
-      <p:nvGrpSpPr>
-        <p:cNvPr id="1" name=""/>
-        <p:cNvGrpSpPr/>
-        <p:nvPr/>
-      </p:nvGrpSpPr>
-      <p:grpSpPr>
-        <a:xfrm>
-          <a:off x="0" y="0"/>
-          <a:ext cx="0" cy="0"/>
-          <a:chOff x="0" y="0"/>
-          <a:chExt cx="0" cy="0"/>
-        </a:xfrm>
-      </p:grpSpPr>
-      <p:sp>
-        <p:nvSpPr>
-          <p:cNvPr id="2" name="Title 1"/>
-          <p:cNvSpPr>
-            <a:spLocks noGrp="1"/>
-          </p:cNvSpPr>
-          <p:nvPr>
-            <p:ph type="title"/>
-          </p:nvPr>
-        </p:nvSpPr>
-        <p:spPr/>
-        <p:txBody>
-          <a:bodyPr>
-            <a:normAutofit/>
-          </a:bodyPr>
-          <a:lstStyle/>
-          <a:p>
-            <a:r>
-              <a:rPr lang="en-US" sz="7200" i="1" dirty="0">
-                <a:latin typeface="Aharoni" panose="02010803020104030203" pitchFamily="2" charset="-79"/>
-                <a:cs typeface="Aharoni" panose="02010803020104030203" pitchFamily="2" charset="-79"/>
-              </a:rPr>
-              <a:t>Sex Pistols, 1975-1978</a:t>
-            </a:r>
-            <a:endParaRPr lang="en-US" sz="7200" dirty="0"/>
-          </a:p>
-        </p:txBody>
-      </p:sp>
-      <p:sp>
-        <p:nvSpPr>
-          <p:cNvPr id="3" name="Content Placeholder 2"/>
-          <p:cNvSpPr>
-            <a:spLocks noGrp="1"/>
-          </p:cNvSpPr>
-          <p:nvPr>
-            <p:ph idx="1"/>
-          </p:nvPr>
-        </p:nvSpPr>
-        <p:spPr/>
-        <p:txBody>
-          <a:bodyPr>
-            <a:normAutofit fontScale="92500" lnSpcReduction="10000"/>
-          </a:bodyPr>
-          <a:lstStyle/>
-          <a:p>
-            <a:r>
-              <a:rPr lang="en-US" dirty="0"/>
-              <a:t>Formed from the Strand: Steve Jones (vocals, then switched to guitar), Paul Cook (drums), and Wally Nightingale (guitar)</a:t>
-            </a:r>
-          </a:p>
-          <a:p>
-            <a:r>
-              <a:rPr lang="en-US" dirty="0"/>
-              <a:t>Working class, played stolen instruments</a:t>
-            </a:r>
-          </a:p>
-          <a:p>
-            <a:r>
-              <a:rPr lang="en-US" dirty="0"/>
-              <a:t>Nightingale was pushed out.</a:t>
-            </a:r>
-          </a:p>
-          <a:p>
-            <a:r>
-              <a:rPr lang="en-US" dirty="0"/>
-              <a:t>Glen Matlock added as bass guitarist.</a:t>
-            </a:r>
-          </a:p>
-          <a:p>
-            <a:r>
-              <a:rPr lang="en-US" dirty="0"/>
-              <a:t>Bernie Rhodes and McLaren happened on John </a:t>
-            </a:r>
-            <a:r>
-              <a:rPr lang="en-US" dirty="0" err="1"/>
-              <a:t>Lydon</a:t>
-            </a:r>
-            <a:r>
-              <a:rPr lang="en-US" dirty="0"/>
-              <a:t>: green, short hair, anti-Pink Floyd t-shirt: “Johnny Rotten”</a:t>
-            </a:r>
-          </a:p>
-          <a:p>
-            <a:r>
-              <a:rPr lang="en-US" i="1" dirty="0"/>
-              <a:t>Melody Maker</a:t>
-            </a:r>
-            <a:r>
-              <a:rPr lang="en-US" dirty="0"/>
-              <a:t> advert: “Whizz Kid Guitarist. Not older than 20. Not worse looking than Johnny Thunders”!</a:t>
-            </a:r>
-          </a:p>
-          <a:p>
-            <a:r>
-              <a:rPr lang="en-US" dirty="0"/>
-              <a:t>Acquired a key fashion following group: Bromley Contingent: Billy Idol, </a:t>
-            </a:r>
-            <a:r>
-              <a:rPr lang="en-US" dirty="0" err="1"/>
-              <a:t>Siouxsie</a:t>
-            </a:r>
-            <a:r>
-              <a:rPr lang="en-US" dirty="0"/>
-              <a:t> Sioux.</a:t>
-            </a:r>
-          </a:p>
-          <a:p>
-            <a:endParaRPr lang="en-US" dirty="0"/>
-          </a:p>
-        </p:txBody>
-      </p:sp>
-    </p:spTree>
-    <p:extLst>
-      <p:ext uri="{BB962C8B-B14F-4D97-AF65-F5344CB8AC3E}">
-        <p14:creationId xmlns:p14="http://schemas.microsoft.com/office/powerpoint/2010/main" val="2391826232"/>
-      </p:ext>
-    </p:extLst>
-  </p:cSld>
-  <p:clrMapOvr>
-    <a:masterClrMapping/>
-  </p:clrMapOvr>
-</p:sld>
-</file>
-
 <file path=ppt/slides/slide12.xml><?xml version="1.0" encoding="utf-8"?>
 <p:sld xmlns:a="http://schemas.openxmlformats.org/drawingml/2006/main" xmlns:r="http://schemas.openxmlformats.org/officeDocument/2006/relationships" xmlns:p="http://schemas.openxmlformats.org/presentationml/2006/main">
   <p:cSld>
@@ -3391,38 +3525,81 @@
         </p:nvSpPr>
         <p:spPr/>
         <p:txBody>
-          <a:bodyPr/>
-          <a:lstStyle/>
-          <a:p>
-            <a:r>
-              <a:rPr lang="en-US" dirty="0"/>
-              <a:t>Started to get a lot of gigs in London, especially after the Nashville incident: 23 April 1976</a:t>
-            </a:r>
-          </a:p>
-          <a:p>
-            <a:r>
-              <a:rPr lang="en-US" dirty="0"/>
-              <a:t>Warmed up for The 101-ers, led by Joe Strummer. Saw Punk as the future.</a:t>
-            </a:r>
-          </a:p>
-          <a:p>
-            <a:r>
-              <a:rPr lang="en-US" dirty="0"/>
-              <a:t>Westwood started a fight, McLaren and Rotten soon dove in. </a:t>
-            </a:r>
-          </a:p>
-          <a:p>
-            <a:r>
-              <a:rPr lang="en-US" dirty="0"/>
-              <a:t>Cook later said, "That fight at the Nashville: that's when all the publicity got hold of it and the violence started creeping in.... I think everybody was ready to go and we were the catalyst."</a:t>
-            </a:r>
+          <a:bodyPr>
+            <a:normAutofit fontScale="92500" lnSpcReduction="10000"/>
+          </a:bodyPr>
+          <a:lstStyle/>
+          <a:p>
+            <a:r>
+              <a:rPr lang="en-US" dirty="0"/>
+              <a:t>Formed from the Strand: Steve Jones (vocals, then switched to guitar), Paul Cook (drums), and Wally Nightingale (guitar)</a:t>
+            </a:r>
+          </a:p>
+          <a:p>
+            <a:r>
+              <a:rPr lang="en-US" dirty="0"/>
+              <a:t>Working class, played stolen instruments</a:t>
+            </a:r>
+          </a:p>
+          <a:p>
+            <a:r>
+              <a:rPr lang="en-US" dirty="0"/>
+              <a:t>Nightingale was pushed out.</a:t>
+            </a:r>
+          </a:p>
+          <a:p>
+            <a:r>
+              <a:rPr lang="en-US" dirty="0"/>
+              <a:t>Glen Matlock added as bass guitarist.</a:t>
+            </a:r>
+          </a:p>
+          <a:p>
+            <a:r>
+              <a:rPr lang="en-US" dirty="0"/>
+              <a:t>Bernie Rhodes and McLaren happened on John </a:t>
+            </a:r>
+            <a:r>
+              <a:rPr lang="en-US" dirty="0" err="1"/>
+              <a:t>Lydon</a:t>
+            </a:r>
+            <a:r>
+              <a:rPr lang="en-US" dirty="0"/>
+              <a:t>: green, short hair, anti-Pink Floyd t-shirt: “Johnny Rotten”</a:t>
+            </a:r>
+          </a:p>
+          <a:p>
+            <a:r>
+              <a:rPr lang="en-US" i="1" dirty="0"/>
+              <a:t>Melody Maker</a:t>
+            </a:r>
+            <a:r>
+              <a:rPr lang="en-US" dirty="0"/>
+              <a:t> advert: “Whizz Kid Guitarist. Not older than 20. Not worse looking than Johnny Thunders”!</a:t>
+            </a:r>
+          </a:p>
+          <a:p>
+            <a:r>
+              <a:rPr lang="en-US" dirty="0"/>
+              <a:t>Acquired a key fashion following group: Bromley Contingent: Billy Idol, </a:t>
+            </a:r>
+            <a:r>
+              <a:rPr lang="en-US" dirty="0" err="1"/>
+              <a:t>Siouxsie</a:t>
+            </a:r>
+            <a:r>
+              <a:rPr lang="en-US" dirty="0"/>
+              <a:t> Sioux.</a:t>
+            </a:r>
+          </a:p>
+          <a:p>
+            <a:endParaRPr lang="en-US" dirty="0"/>
           </a:p>
         </p:txBody>
       </p:sp>
     </p:spTree>
     <p:extLst>
       <p:ext uri="{BB962C8B-B14F-4D97-AF65-F5344CB8AC3E}">
-        <p14:creationId xmlns:p14="http://schemas.microsoft.com/office/powerpoint/2010/main" val="2330401396"/>
+        <p14:creationId xmlns:p14="http://schemas.microsoft.com/office/powerpoint/2010/main" val="2391826232"/>
       </p:ext>
     </p:extLst>
   </p:cSld>
@@ -3459,10 +3636,108 @@
             <p:ph type="title"/>
           </p:nvPr>
         </p:nvSpPr>
+        <p:spPr/>
+        <p:txBody>
+          <a:bodyPr>
+            <a:normAutofit/>
+          </a:bodyPr>
+          <a:lstStyle/>
+          <a:p>
+            <a:r>
+              <a:rPr lang="en-US" sz="7200" i="1" dirty="0">
+                <a:latin typeface="Aharoni" panose="02010803020104030203" pitchFamily="2" charset="-79"/>
+                <a:cs typeface="Aharoni" panose="02010803020104030203" pitchFamily="2" charset="-79"/>
+              </a:rPr>
+              <a:t>Sex Pistols, 1975-1978</a:t>
+            </a:r>
+            <a:endParaRPr lang="en-US" sz="7200" dirty="0"/>
+          </a:p>
+        </p:txBody>
+      </p:sp>
+      <p:sp>
+        <p:nvSpPr>
+          <p:cNvPr id="3" name="Content Placeholder 2"/>
+          <p:cNvSpPr>
+            <a:spLocks noGrp="1"/>
+          </p:cNvSpPr>
+          <p:nvPr>
+            <p:ph idx="1"/>
+          </p:nvPr>
+        </p:nvSpPr>
+        <p:spPr/>
+        <p:txBody>
+          <a:bodyPr/>
+          <a:lstStyle/>
+          <a:p>
+            <a:r>
+              <a:rPr lang="en-US" dirty="0"/>
+              <a:t>Started to get a lot of gigs in London, especially after the Nashville incident: 23 April 1976</a:t>
+            </a:r>
+          </a:p>
+          <a:p>
+            <a:r>
+              <a:rPr lang="en-US" dirty="0"/>
+              <a:t>Warmed up for The 101-ers, led by Joe Strummer. Saw Punk as the future.</a:t>
+            </a:r>
+          </a:p>
+          <a:p>
+            <a:r>
+              <a:rPr lang="en-US" dirty="0"/>
+              <a:t>Westwood started a fight, McLaren and Rotten soon dove in. </a:t>
+            </a:r>
+          </a:p>
+          <a:p>
+            <a:r>
+              <a:rPr lang="en-US" dirty="0"/>
+              <a:t>Cook later said, "That fight at the Nashville: that's when all the publicity got hold of it and the violence started creeping in.... I think everybody was ready to go and we were the catalyst."</a:t>
+            </a:r>
+          </a:p>
+        </p:txBody>
+      </p:sp>
+    </p:spTree>
+    <p:extLst>
+      <p:ext uri="{BB962C8B-B14F-4D97-AF65-F5344CB8AC3E}">
+        <p14:creationId xmlns:p14="http://schemas.microsoft.com/office/powerpoint/2010/main" val="2330401396"/>
+      </p:ext>
+    </p:extLst>
+  </p:cSld>
+  <p:clrMapOvr>
+    <a:masterClrMapping/>
+  </p:clrMapOvr>
+</p:sld>
+</file>
+
+<file path=ppt/slides/slide14.xml><?xml version="1.0" encoding="utf-8"?>
+<p:sld xmlns:a="http://schemas.openxmlformats.org/drawingml/2006/main" xmlns:r="http://schemas.openxmlformats.org/officeDocument/2006/relationships" xmlns:p="http://schemas.openxmlformats.org/presentationml/2006/main">
+  <p:cSld>
+    <p:spTree>
+      <p:nvGrpSpPr>
+        <p:cNvPr id="1" name=""/>
+        <p:cNvGrpSpPr/>
+        <p:nvPr/>
+      </p:nvGrpSpPr>
+      <p:grpSpPr>
+        <a:xfrm>
+          <a:off x="0" y="0"/>
+          <a:ext cx="0" cy="0"/>
+          <a:chOff x="0" y="0"/>
+          <a:chExt cx="0" cy="0"/>
+        </a:xfrm>
+      </p:grpSpPr>
+      <p:sp>
+        <p:nvSpPr>
+          <p:cNvPr id="2" name="Title 1"/>
+          <p:cNvSpPr>
+            <a:spLocks noGrp="1"/>
+          </p:cNvSpPr>
+          <p:nvPr>
+            <p:ph type="title"/>
+          </p:nvPr>
+        </p:nvSpPr>
         <p:spPr>
           <a:xfrm>
-            <a:off x="850542" y="192368"/>
-            <a:ext cx="10830596" cy="1068946"/>
+            <a:off x="850542" y="62753"/>
+            <a:ext cx="10830596" cy="1198561"/>
           </a:xfrm>
         </p:spPr>
         <p:txBody>
@@ -3471,6 +3746,7 @@
           </a:bodyPr>
           <a:lstStyle/>
           <a:p>
+            <a:pPr algn="ctr"/>
             <a:r>
               <a:rPr lang="en-US" sz="4000" dirty="0">
                 <a:latin typeface="Aharoni" panose="02010803020104030203" pitchFamily="2" charset="-79"/>
@@ -3482,36 +3758,9 @@
               <a:rPr lang="en-US" sz="2800" dirty="0">
                 <a:latin typeface="Aharoni" panose="02010803020104030203" pitchFamily="2" charset="-79"/>
                 <a:cs typeface="Aharoni" panose="02010803020104030203" pitchFamily="2" charset="-79"/>
+                <a:hlinkClick r:id="rId2"/>
               </a:rPr>
-              <a:t>https://</a:t>
-            </a:r>
-            <a:r>
-              <a:rPr lang="en-US" sz="2800" dirty="0" err="1">
-                <a:latin typeface="Aharoni" panose="02010803020104030203" pitchFamily="2" charset="-79"/>
-                <a:cs typeface="Aharoni" panose="02010803020104030203" pitchFamily="2" charset="-79"/>
-              </a:rPr>
-              <a:t>www.youtube.com</a:t>
-            </a:r>
-            <a:r>
-              <a:rPr lang="en-US" sz="2800" dirty="0">
-                <a:latin typeface="Aharoni" panose="02010803020104030203" pitchFamily="2" charset="-79"/>
-                <a:cs typeface="Aharoni" panose="02010803020104030203" pitchFamily="2" charset="-79"/>
-              </a:rPr>
-              <a:t>/</a:t>
-            </a:r>
-            <a:r>
-              <a:rPr lang="en-US" sz="2800" dirty="0" err="1">
-                <a:latin typeface="Aharoni" panose="02010803020104030203" pitchFamily="2" charset="-79"/>
-                <a:cs typeface="Aharoni" panose="02010803020104030203" pitchFamily="2" charset="-79"/>
-              </a:rPr>
-              <a:t>watch?v</a:t>
-            </a:r>
-            <a:r>
-              <a:rPr lang="en-US" sz="2800" dirty="0">
-                <a:latin typeface="Aharoni" panose="02010803020104030203" pitchFamily="2" charset="-79"/>
-                <a:cs typeface="Aharoni" panose="02010803020104030203" pitchFamily="2" charset="-79"/>
-              </a:rPr>
-              <a:t>=xqbXqYdafi8</a:t>
+              <a:t>https://www.youtube.com/watch?v=xqbXqYdafi8</a:t>
             </a:r>
             <a:br>
               <a:rPr lang="en-US" sz="2800" dirty="0">
@@ -3537,7 +3786,7 @@
           </p:nvPr>
         </p:nvPicPr>
         <p:blipFill>
-          <a:blip r:embed="rId2">
+          <a:blip r:embed="rId3">
             <a:extLst>
               <a:ext uri="{28A0092B-C50C-407E-A947-70E740481C1C}">
                 <a14:useLocalDpi xmlns:a14="http://schemas.microsoft.com/office/drawing/2010/main" val="0"/>
@@ -3568,166 +3817,6 @@
 </p:sld>
 </file>
 
-<file path=ppt/slides/slide14.xml><?xml version="1.0" encoding="utf-8"?>
-<p:sld xmlns:a="http://schemas.openxmlformats.org/drawingml/2006/main" xmlns:r="http://schemas.openxmlformats.org/officeDocument/2006/relationships" xmlns:p="http://schemas.openxmlformats.org/presentationml/2006/main">
-  <p:cSld>
-    <p:spTree>
-      <p:nvGrpSpPr>
-        <p:cNvPr id="1" name=""/>
-        <p:cNvGrpSpPr/>
-        <p:nvPr/>
-      </p:nvGrpSpPr>
-      <p:grpSpPr>
-        <a:xfrm>
-          <a:off x="0" y="0"/>
-          <a:ext cx="0" cy="0"/>
-          <a:chOff x="0" y="0"/>
-          <a:chExt cx="0" cy="0"/>
-        </a:xfrm>
-      </p:grpSpPr>
-      <p:sp>
-        <p:nvSpPr>
-          <p:cNvPr id="2" name="Title 1"/>
-          <p:cNvSpPr>
-            <a:spLocks noGrp="1"/>
-          </p:cNvSpPr>
-          <p:nvPr>
-            <p:ph type="title"/>
-          </p:nvPr>
-        </p:nvSpPr>
-        <p:spPr/>
-        <p:txBody>
-          <a:bodyPr>
-            <a:normAutofit/>
-          </a:bodyPr>
-          <a:lstStyle/>
-          <a:p>
-            <a:r>
-              <a:rPr lang="en-US" sz="6600" i="1" dirty="0">
-                <a:latin typeface="Aharoni" panose="02010803020104030203" pitchFamily="2" charset="-79"/>
-                <a:cs typeface="Aharoni" panose="02010803020104030203" pitchFamily="2" charset="-79"/>
-              </a:rPr>
-              <a:t>Sex Pistols, 1975-1978</a:t>
-            </a:r>
-            <a:endParaRPr lang="en-US" sz="6600" dirty="0"/>
-          </a:p>
-        </p:txBody>
-      </p:sp>
-      <p:sp>
-        <p:nvSpPr>
-          <p:cNvPr id="3" name="Content Placeholder 2"/>
-          <p:cNvSpPr>
-            <a:spLocks noGrp="1"/>
-          </p:cNvSpPr>
-          <p:nvPr>
-            <p:ph idx="1"/>
-          </p:nvPr>
-        </p:nvSpPr>
-        <p:spPr/>
-        <p:txBody>
-          <a:bodyPr>
-            <a:normAutofit lnSpcReduction="10000"/>
-          </a:bodyPr>
-          <a:lstStyle/>
-          <a:p>
-            <a:r>
-              <a:rPr lang="en-US" dirty="0"/>
-              <a:t>4 June 1976: performed at Lesser Free Trade Hall in Manchester.</a:t>
-            </a:r>
-          </a:p>
-          <a:p>
-            <a:r>
-              <a:rPr lang="en-US" dirty="0">
-                <a:hlinkClick r:id="rId2"/>
-              </a:rPr>
-              <a:t>https://www.youtube.com/watch?v=3bZ9yToi-JE</a:t>
-            </a:r>
-            <a:endParaRPr lang="en-US" dirty="0"/>
-          </a:p>
-          <a:p>
-            <a:r>
-              <a:rPr lang="en-US" dirty="0"/>
-              <a:t>Tony Wilson (TV “So It Goes”):</a:t>
-            </a:r>
-          </a:p>
-          <a:p>
-            <a:r>
-              <a:rPr lang="en-US" dirty="0">
-                <a:hlinkClick r:id="rId3"/>
-              </a:rPr>
-              <a:t>https://www.youtube.com/watch?v=rrjcsMidMNY</a:t>
-            </a:r>
-            <a:endParaRPr lang="en-US" dirty="0"/>
-          </a:p>
-          <a:p>
-            <a:r>
-              <a:rPr lang="en-US" dirty="0"/>
-              <a:t>20 July 1976, second performance:</a:t>
-            </a:r>
-          </a:p>
-          <a:p>
-            <a:r>
-              <a:rPr lang="en-US" dirty="0"/>
-              <a:t>Howard </a:t>
-            </a:r>
-            <a:r>
-              <a:rPr lang="en-US" dirty="0" err="1"/>
-              <a:t>DeVoto</a:t>
-            </a:r>
-            <a:r>
-              <a:rPr lang="en-US" dirty="0"/>
-              <a:t> and Pete Shelley: The </a:t>
-            </a:r>
-            <a:r>
-              <a:rPr lang="en-US" dirty="0" err="1"/>
-              <a:t>Buzzcocks</a:t>
-            </a:r>
-            <a:r>
-              <a:rPr lang="en-US" dirty="0"/>
-              <a:t> </a:t>
-            </a:r>
-          </a:p>
-          <a:p>
-            <a:r>
-              <a:rPr lang="en-US" dirty="0"/>
-              <a:t>Peter Hook and Bernard </a:t>
-            </a:r>
-            <a:r>
-              <a:rPr lang="en-US" dirty="0" err="1"/>
-              <a:t>Sumners</a:t>
-            </a:r>
-            <a:r>
-              <a:rPr lang="en-US" dirty="0"/>
-              <a:t>: formed Warsaw, then Joy Division.</a:t>
-            </a:r>
-          </a:p>
-          <a:p>
-            <a:r>
-              <a:rPr lang="en-US" dirty="0"/>
-              <a:t>Steven Patrick Morrissey: The Smiths</a:t>
-            </a:r>
-          </a:p>
-          <a:p>
-            <a:r>
-              <a:rPr lang="en-US" dirty="0"/>
-              <a:t>Mark E. Smith: The Fall</a:t>
-            </a:r>
-          </a:p>
-        </p:txBody>
-      </p:sp>
-    </p:spTree>
-    <p:extLst>
-      <p:ext uri="{BB962C8B-B14F-4D97-AF65-F5344CB8AC3E}">
-        <p14:creationId xmlns:p14="http://schemas.microsoft.com/office/powerpoint/2010/main" val="3342684867"/>
-      </p:ext>
-    </p:extLst>
-  </p:cSld>
-  <p:clrMapOvr>
-    <a:masterClrMapping/>
-  </p:clrMapOvr>
-</p:sld>
-</file>
-
 <file path=ppt/slides/slide15.xml><?xml version="1.0" encoding="utf-8"?>
 <p:sld xmlns:a="http://schemas.openxmlformats.org/drawingml/2006/main" xmlns:r="http://schemas.openxmlformats.org/officeDocument/2006/relationships" xmlns:p="http://schemas.openxmlformats.org/presentationml/2006/main">
   <p:cSld>
@@ -3763,6 +3852,166 @@
           <a:lstStyle/>
           <a:p>
             <a:r>
+              <a:rPr lang="en-US" sz="6600" i="1" dirty="0">
+                <a:latin typeface="Aharoni" panose="02010803020104030203" pitchFamily="2" charset="-79"/>
+                <a:cs typeface="Aharoni" panose="02010803020104030203" pitchFamily="2" charset="-79"/>
+              </a:rPr>
+              <a:t>Sex Pistols, 1975-1978</a:t>
+            </a:r>
+            <a:endParaRPr lang="en-US" sz="6600" dirty="0"/>
+          </a:p>
+        </p:txBody>
+      </p:sp>
+      <p:sp>
+        <p:nvSpPr>
+          <p:cNvPr id="3" name="Content Placeholder 2"/>
+          <p:cNvSpPr>
+            <a:spLocks noGrp="1"/>
+          </p:cNvSpPr>
+          <p:nvPr>
+            <p:ph idx="1"/>
+          </p:nvPr>
+        </p:nvSpPr>
+        <p:spPr/>
+        <p:txBody>
+          <a:bodyPr>
+            <a:normAutofit lnSpcReduction="10000"/>
+          </a:bodyPr>
+          <a:lstStyle/>
+          <a:p>
+            <a:r>
+              <a:rPr lang="en-US" dirty="0"/>
+              <a:t>4 June 1976: performed at Lesser Free Trade Hall in Manchester.</a:t>
+            </a:r>
+          </a:p>
+          <a:p>
+            <a:r>
+              <a:rPr lang="en-US" dirty="0">
+                <a:hlinkClick r:id="rId2"/>
+              </a:rPr>
+              <a:t>https://www.youtube.com/watch?v=3bZ9yToi-JE</a:t>
+            </a:r>
+            <a:endParaRPr lang="en-US" dirty="0"/>
+          </a:p>
+          <a:p>
+            <a:r>
+              <a:rPr lang="en-US" dirty="0"/>
+              <a:t>Tony Wilson (TV “So It Goes”):</a:t>
+            </a:r>
+          </a:p>
+          <a:p>
+            <a:r>
+              <a:rPr lang="en-US" dirty="0">
+                <a:hlinkClick r:id="rId3"/>
+              </a:rPr>
+              <a:t>https://www.youtube.com/watch?v=rrjcsMidMNY</a:t>
+            </a:r>
+            <a:endParaRPr lang="en-US" dirty="0"/>
+          </a:p>
+          <a:p>
+            <a:r>
+              <a:rPr lang="en-US" dirty="0"/>
+              <a:t>20 July 1976, second performance:</a:t>
+            </a:r>
+          </a:p>
+          <a:p>
+            <a:r>
+              <a:rPr lang="en-US" dirty="0"/>
+              <a:t>Howard </a:t>
+            </a:r>
+            <a:r>
+              <a:rPr lang="en-US" dirty="0" err="1"/>
+              <a:t>DeVoto</a:t>
+            </a:r>
+            <a:r>
+              <a:rPr lang="en-US" dirty="0"/>
+              <a:t> and Pete Shelley: The </a:t>
+            </a:r>
+            <a:r>
+              <a:rPr lang="en-US" dirty="0" err="1"/>
+              <a:t>Buzzcocks</a:t>
+            </a:r>
+            <a:r>
+              <a:rPr lang="en-US" dirty="0"/>
+              <a:t> </a:t>
+            </a:r>
+          </a:p>
+          <a:p>
+            <a:r>
+              <a:rPr lang="en-US" dirty="0"/>
+              <a:t>Peter Hook and Bernard </a:t>
+            </a:r>
+            <a:r>
+              <a:rPr lang="en-US" dirty="0" err="1"/>
+              <a:t>Sumners</a:t>
+            </a:r>
+            <a:r>
+              <a:rPr lang="en-US" dirty="0"/>
+              <a:t>: formed Warsaw, then Joy Division.</a:t>
+            </a:r>
+          </a:p>
+          <a:p>
+            <a:r>
+              <a:rPr lang="en-US" dirty="0"/>
+              <a:t>Steven Patrick Morrissey: The Smiths</a:t>
+            </a:r>
+          </a:p>
+          <a:p>
+            <a:r>
+              <a:rPr lang="en-US" dirty="0"/>
+              <a:t>Mark E. Smith: The Fall</a:t>
+            </a:r>
+          </a:p>
+        </p:txBody>
+      </p:sp>
+    </p:spTree>
+    <p:extLst>
+      <p:ext uri="{BB962C8B-B14F-4D97-AF65-F5344CB8AC3E}">
+        <p14:creationId xmlns:p14="http://schemas.microsoft.com/office/powerpoint/2010/main" val="3342684867"/>
+      </p:ext>
+    </p:extLst>
+  </p:cSld>
+  <p:clrMapOvr>
+    <a:masterClrMapping/>
+  </p:clrMapOvr>
+</p:sld>
+</file>
+
+<file path=ppt/slides/slide16.xml><?xml version="1.0" encoding="utf-8"?>
+<p:sld xmlns:a="http://schemas.openxmlformats.org/drawingml/2006/main" xmlns:r="http://schemas.openxmlformats.org/officeDocument/2006/relationships" xmlns:p="http://schemas.openxmlformats.org/presentationml/2006/main">
+  <p:cSld>
+    <p:spTree>
+      <p:nvGrpSpPr>
+        <p:cNvPr id="1" name=""/>
+        <p:cNvGrpSpPr/>
+        <p:nvPr/>
+      </p:nvGrpSpPr>
+      <p:grpSpPr>
+        <a:xfrm>
+          <a:off x="0" y="0"/>
+          <a:ext cx="0" cy="0"/>
+          <a:chOff x="0" y="0"/>
+          <a:chExt cx="0" cy="0"/>
+        </a:xfrm>
+      </p:grpSpPr>
+      <p:sp>
+        <p:nvSpPr>
+          <p:cNvPr id="2" name="Title 1"/>
+          <p:cNvSpPr>
+            <a:spLocks noGrp="1"/>
+          </p:cNvSpPr>
+          <p:nvPr>
+            <p:ph type="title"/>
+          </p:nvPr>
+        </p:nvSpPr>
+        <p:spPr/>
+        <p:txBody>
+          <a:bodyPr>
+            <a:normAutofit/>
+          </a:bodyPr>
+          <a:lstStyle/>
+          <a:p>
+            <a:r>
               <a:rPr lang="en-US" sz="7200" i="1" dirty="0">
                 <a:latin typeface="Aharoni" panose="02010803020104030203" pitchFamily="2" charset="-79"/>
                 <a:cs typeface="Aharoni" panose="02010803020104030203" pitchFamily="2" charset="-79"/>
@@ -3870,7 +4119,7 @@
 </p:sld>
 </file>
 
-<file path=ppt/slides/slide16.xml><?xml version="1.0" encoding="utf-8"?>
+<file path=ppt/slides/slide17.xml><?xml version="1.0" encoding="utf-8"?>
 <p:sld xmlns:a="http://schemas.openxmlformats.org/drawingml/2006/main" xmlns:r="http://schemas.openxmlformats.org/officeDocument/2006/relationships" xmlns:p="http://schemas.openxmlformats.org/presentationml/2006/main">
   <p:cSld>
     <p:spTree>
@@ -4374,6 +4623,14 @@
 <file path=ppt/slides/slide4.xml><?xml version="1.0" encoding="utf-8"?>
 <p:sld xmlns:a="http://schemas.openxmlformats.org/drawingml/2006/main" xmlns:r="http://schemas.openxmlformats.org/officeDocument/2006/relationships" xmlns:p="http://schemas.openxmlformats.org/presentationml/2006/main">
   <p:cSld>
+    <p:bg>
+      <p:bgPr>
+        <a:solidFill>
+          <a:schemeClr val="bg1"/>
+        </a:solidFill>
+        <a:effectLst/>
+      </p:bgPr>
+    </p:bg>
     <p:spTree>
       <p:nvGrpSpPr>
         <p:cNvPr id="1" name=""/>
@@ -4390,183 +4647,418 @@
       </p:grpSpPr>
       <p:sp>
         <p:nvSpPr>
-          <p:cNvPr id="2" name="Title 1"/>
-          <p:cNvSpPr>
-            <a:spLocks noGrp="1"/>
-          </p:cNvSpPr>
-          <p:nvPr>
-            <p:ph type="title"/>
-          </p:nvPr>
-        </p:nvSpPr>
-        <p:spPr/>
-        <p:txBody>
-          <a:bodyPr/>
-          <a:lstStyle/>
-          <a:p>
-            <a:r>
-              <a:rPr lang="en-US" dirty="0">
-                <a:latin typeface="Broadway" panose="04040905080B02020502" pitchFamily="82" charset="0"/>
-              </a:rPr>
-              <a:t>Patti Smith and the CBGB</a:t>
-            </a:r>
-          </a:p>
-        </p:txBody>
-      </p:sp>
-      <p:sp>
-        <p:nvSpPr>
-          <p:cNvPr id="3" name="Content Placeholder 2"/>
-          <p:cNvSpPr>
-            <a:spLocks noGrp="1"/>
-          </p:cNvSpPr>
-          <p:nvPr>
-            <p:ph idx="1"/>
+          <p:cNvPr id="11" name="Rectangle 10">
+            <a:extLst>
+              <a:ext uri="{FF2B5EF4-FFF2-40B4-BE49-F238E27FC236}">
+                <a16:creationId xmlns:a16="http://schemas.microsoft.com/office/drawing/2014/main" id="{4038CB10-1F5C-4D54-9DF7-12586DE5B007}"/>
+              </a:ext>
+              <a:ext uri="{C183D7F6-B498-43B3-948B-1728B52AA6E4}">
+                <adec:decorative xmlns:adec="http://schemas.microsoft.com/office/drawing/2017/decorative" val="1"/>
+              </a:ext>
+            </a:extLst>
+          </p:cNvPr>
+          <p:cNvSpPr>
+            <a:spLocks noGrp="1" noRot="1" noChangeAspect="1" noMove="1" noResize="1" noEditPoints="1" noAdjustHandles="1" noChangeArrowheads="1" noChangeShapeType="1" noTextEdit="1"/>
+          </p:cNvSpPr>
+          <p:nvPr>
+            <p:extLst>
+              <p:ext uri="{386F3935-93C4-4BCD-93E2-E3B085C9AB24}">
+                <p16:designElem xmlns:p16="http://schemas.microsoft.com/office/powerpoint/2015/main" val="1"/>
+              </p:ext>
+            </p:extLst>
           </p:nvPr>
         </p:nvSpPr>
         <p:spPr>
           <a:xfrm>
-            <a:off x="436098" y="1825624"/>
-            <a:ext cx="8271804" cy="4486275"/>
+            <a:off x="327546" y="4572000"/>
+            <a:ext cx="7058307" cy="1964266"/>
+          </a:xfrm>
+          <a:prstGeom prst="rect">
+            <a:avLst/>
+          </a:prstGeom>
+          <a:solidFill>
+            <a:srgbClr val="543D5A"/>
+          </a:solidFill>
+          <a:ln>
+            <a:noFill/>
+          </a:ln>
+        </p:spPr>
+        <p:style>
+          <a:lnRef idx="2">
+            <a:schemeClr val="accent1">
+              <a:shade val="50000"/>
+            </a:schemeClr>
+          </a:lnRef>
+          <a:fillRef idx="1">
+            <a:schemeClr val="accent1"/>
+          </a:fillRef>
+          <a:effectRef idx="0">
+            <a:schemeClr val="accent1"/>
+          </a:effectRef>
+          <a:fontRef idx="minor">
+            <a:schemeClr val="lt1"/>
+          </a:fontRef>
+        </p:style>
+        <p:txBody>
+          <a:bodyPr rtlCol="0" anchor="ctr"/>
+          <a:lstStyle/>
+          <a:p>
+            <a:pPr marL="0" marR="0" lvl="0" indent="0" algn="ctr" defTabSz="914400" rtl="0" eaLnBrk="1" fontAlgn="auto" latinLnBrk="0" hangingPunct="1">
+              <a:lnSpc>
+                <a:spcPct val="100000"/>
+              </a:lnSpc>
+              <a:spcBef>
+                <a:spcPts val="0"/>
+              </a:spcBef>
+              <a:spcAft>
+                <a:spcPts val="0"/>
+              </a:spcAft>
+              <a:buClrTx/>
+              <a:buSzTx/>
+              <a:buFontTx/>
+              <a:buNone/>
+              <a:tabLst/>
+              <a:defRPr/>
+            </a:pPr>
+            <a:endParaRPr kumimoji="0" lang="en-US" sz="1800" b="0" i="0" u="none" strike="noStrike" kern="1200" cap="none" spc="0" normalizeH="0" baseline="0" noProof="0">
+              <a:ln>
+                <a:noFill/>
+              </a:ln>
+              <a:solidFill>
+                <a:prstClr val="white"/>
+              </a:solidFill>
+              <a:effectLst/>
+              <a:uLnTx/>
+              <a:uFillTx/>
+              <a:latin typeface="Calibri" panose="020F0502020204030204"/>
+              <a:ea typeface="+mn-ea"/>
+              <a:cs typeface="+mn-cs"/>
+            </a:endParaRPr>
+          </a:p>
+        </p:txBody>
+      </p:sp>
+      <p:sp>
+        <p:nvSpPr>
+          <p:cNvPr id="2" name="Title 1">
+            <a:extLst>
+              <a:ext uri="{FF2B5EF4-FFF2-40B4-BE49-F238E27FC236}">
+                <a16:creationId xmlns:a16="http://schemas.microsoft.com/office/drawing/2014/main" id="{17136E00-0E82-4DDB-B2B7-38698FB38FC0}"/>
+              </a:ext>
+            </a:extLst>
+          </p:cNvPr>
+          <p:cNvSpPr>
+            <a:spLocks noGrp="1"/>
+          </p:cNvSpPr>
+          <p:nvPr>
+            <p:ph type="title"/>
+          </p:nvPr>
+        </p:nvSpPr>
+        <p:spPr>
+          <a:xfrm>
+            <a:off x="524256" y="4767072"/>
+            <a:ext cx="6594189" cy="1625210"/>
           </a:xfrm>
         </p:spPr>
         <p:txBody>
-          <a:bodyPr>
-            <a:normAutofit fontScale="92500" lnSpcReduction="20000"/>
+          <a:bodyPr vert="horz" lIns="91440" tIns="45720" rIns="91440" bIns="45720" rtlCol="0" anchor="ctr">
+            <a:normAutofit/>
           </a:bodyPr>
           <a:lstStyle/>
           <a:p>
-            <a:r>
-              <a:rPr lang="en-US" dirty="0"/>
-              <a:t>Patti Smith, born </a:t>
-            </a:r>
-            <a:r>
-              <a:rPr lang="en-US" b="1" dirty="0"/>
-              <a:t>Patricia Lee</a:t>
-            </a:r>
-            <a:r>
-              <a:rPr lang="en-US" dirty="0"/>
-              <a:t> </a:t>
-            </a:r>
-            <a:r>
-              <a:rPr lang="en-US" b="1" dirty="0"/>
-              <a:t>Smith</a:t>
-            </a:r>
-            <a:r>
-              <a:rPr lang="en-US" dirty="0"/>
-              <a:t>, 30 December 1946, in Chicago.</a:t>
-            </a:r>
-          </a:p>
-          <a:p>
-            <a:r>
-              <a:rPr lang="en-US" dirty="0"/>
-              <a:t>Raised in working-class, bible educated household: “I, the country mouse.”</a:t>
-            </a:r>
-          </a:p>
-          <a:p>
-            <a:r>
-              <a:rPr lang="en-US" dirty="0"/>
-              <a:t>Rejected these as a teenager; mother was Jehovah’s Witness, but gave her a classic Bob Dylan LP.</a:t>
-            </a:r>
-          </a:p>
-          <a:p>
-            <a:r>
-              <a:rPr lang="en-US" dirty="0"/>
-              <a:t>Robert Mapplethorpe (1946-1989): photographer, lover (</a:t>
-            </a:r>
-            <a:r>
-              <a:rPr lang="en-US" i="1" dirty="0"/>
-              <a:t>Just Kids</a:t>
-            </a:r>
-            <a:r>
-              <a:rPr lang="en-US" dirty="0"/>
-              <a:t>).</a:t>
-            </a:r>
-          </a:p>
-          <a:p>
-            <a:r>
-              <a:rPr lang="en-US" dirty="0"/>
-              <a:t>CBGB, performed long before contract</a:t>
-            </a:r>
-          </a:p>
-          <a:p>
-            <a:r>
-              <a:rPr lang="en-US" dirty="0"/>
-              <a:t>Debut album: </a:t>
-            </a:r>
-            <a:r>
-              <a:rPr lang="en-US" i="1" dirty="0"/>
-              <a:t>Horses</a:t>
-            </a:r>
-            <a:r>
-              <a:rPr lang="en-US" dirty="0"/>
-              <a:t> (1975)</a:t>
-            </a:r>
-          </a:p>
-          <a:p>
-            <a:r>
-              <a:rPr lang="en-US" dirty="0" err="1"/>
-              <a:t>Them’s</a:t>
-            </a:r>
-            <a:r>
-              <a:rPr lang="en-US" dirty="0"/>
-              <a:t> “Gloria”: </a:t>
-            </a:r>
-            <a:r>
-              <a:rPr lang="en-US" dirty="0">
-                <a:hlinkClick r:id="rId2"/>
+            <a:pPr algn="r"/>
+            <a:r>
+              <a:rPr lang="en-US" sz="6000" b="1" dirty="0">
+                <a:solidFill>
+                  <a:srgbClr val="FFFFFF"/>
+                </a:solidFill>
               </a:rPr>
-              <a:t>https://www.youtube.com/watch?v=TNQtz6Ajvfg</a:t>
-            </a:r>
-            <a:endParaRPr lang="en-US" dirty="0"/>
-          </a:p>
-          <a:p>
-            <a:endParaRPr lang="en-US" dirty="0"/>
+              <a:t>Death, 1971-1977</a:t>
+            </a:r>
           </a:p>
         </p:txBody>
       </p:sp>
       <p:pic>
         <p:nvPicPr>
-          <p:cNvPr id="4" name="Picture 3"/>
+          <p:cNvPr id="6" name="Content Placeholder 5" descr="A group of people standing in front of a building&#10;&#10;Description automatically generated">
+            <a:extLst>
+              <a:ext uri="{FF2B5EF4-FFF2-40B4-BE49-F238E27FC236}">
+                <a16:creationId xmlns:a16="http://schemas.microsoft.com/office/drawing/2014/main" id="{707122FC-86CB-4240-8E99-CC1B4EC1E593}"/>
+              </a:ext>
+            </a:extLst>
+          </p:cNvPr>
           <p:cNvPicPr>
-            <a:picLocks noChangeAspect="1"/>
+            <a:picLocks noGrp="1" noChangeAspect="1"/>
           </p:cNvPicPr>
-          <p:nvPr/>
+          <p:nvPr>
+            <p:ph idx="1"/>
+          </p:nvPr>
         </p:nvPicPr>
-        <p:blipFill>
-          <a:blip r:embed="rId3">
+        <p:blipFill rotWithShape="1">
+          <a:blip r:embed="rId2">
             <a:extLst>
               <a:ext uri="{28A0092B-C50C-407E-A947-70E740481C1C}">
                 <a14:useLocalDpi xmlns:a14="http://schemas.microsoft.com/office/drawing/2010/main" val="0"/>
               </a:ext>
             </a:extLst>
           </a:blip>
-          <a:stretch>
-            <a:fillRect/>
-          </a:stretch>
+          <a:srcRect r="1" b="10818"/>
+          <a:stretch/>
         </p:blipFill>
         <p:spPr>
           <a:xfrm>
-            <a:off x="8770522" y="1386448"/>
-            <a:ext cx="3115213" cy="3115213"/>
+            <a:off x="327547" y="321733"/>
+            <a:ext cx="7058306" cy="4107392"/>
           </a:xfrm>
           <a:prstGeom prst="rect">
             <a:avLst/>
           </a:prstGeom>
+        </p:spPr>
+      </p:pic>
+      <p:sp>
+        <p:nvSpPr>
+          <p:cNvPr id="13" name="Rectangle 12">
+            <a:extLst>
+              <a:ext uri="{FF2B5EF4-FFF2-40B4-BE49-F238E27FC236}">
+                <a16:creationId xmlns:a16="http://schemas.microsoft.com/office/drawing/2014/main" id="{73ED6512-6858-4552-B699-9A97FE9A4EA2}"/>
+              </a:ext>
+              <a:ext uri="{C183D7F6-B498-43B3-948B-1728B52AA6E4}">
+                <adec:decorative xmlns:adec="http://schemas.microsoft.com/office/drawing/2017/decorative" val="1"/>
+              </a:ext>
+            </a:extLst>
+          </p:cNvPr>
+          <p:cNvSpPr>
+            <a:spLocks noGrp="1" noRot="1" noChangeAspect="1" noMove="1" noResize="1" noEditPoints="1" noAdjustHandles="1" noChangeArrowheads="1" noChangeShapeType="1" noTextEdit="1"/>
+          </p:cNvSpPr>
+          <p:nvPr>
+            <p:extLst>
+              <p:ext uri="{386F3935-93C4-4BCD-93E2-E3B085C9AB24}">
+                <p16:designElem xmlns:p16="http://schemas.microsoft.com/office/powerpoint/2015/main" val="1"/>
+              </p:ext>
+            </p:extLst>
+          </p:nvPr>
+        </p:nvSpPr>
+        <p:spPr>
+          <a:xfrm>
+            <a:off x="7534655" y="321732"/>
+            <a:ext cx="4335613" cy="6214534"/>
+          </a:xfrm>
+          <a:prstGeom prst="rect">
+            <a:avLst/>
+          </a:prstGeom>
+          <a:solidFill>
+            <a:srgbClr val="404040"/>
+          </a:solidFill>
           <a:ln>
             <a:noFill/>
           </a:ln>
-          <a:effectLst>
-            <a:outerShdw blurRad="292100" dist="139700" dir="2700000" algn="tl" rotWithShape="0">
-              <a:srgbClr val="333333">
-                <a:alpha val="65000"/>
-              </a:srgbClr>
-            </a:outerShdw>
-          </a:effectLst>
         </p:spPr>
-      </p:pic>
+        <p:style>
+          <a:lnRef idx="2">
+            <a:schemeClr val="accent1">
+              <a:shade val="50000"/>
+            </a:schemeClr>
+          </a:lnRef>
+          <a:fillRef idx="1">
+            <a:schemeClr val="accent1"/>
+          </a:fillRef>
+          <a:effectRef idx="0">
+            <a:schemeClr val="accent1"/>
+          </a:effectRef>
+          <a:fontRef idx="minor">
+            <a:schemeClr val="lt1"/>
+          </a:fontRef>
+        </p:style>
+        <p:txBody>
+          <a:bodyPr rtlCol="0" anchor="ctr"/>
+          <a:lstStyle/>
+          <a:p>
+            <a:pPr marL="0" marR="0" lvl="0" indent="0" algn="ctr" defTabSz="914400" rtl="0" eaLnBrk="1" fontAlgn="auto" latinLnBrk="0" hangingPunct="1">
+              <a:lnSpc>
+                <a:spcPct val="100000"/>
+              </a:lnSpc>
+              <a:spcBef>
+                <a:spcPts val="0"/>
+              </a:spcBef>
+              <a:spcAft>
+                <a:spcPts val="0"/>
+              </a:spcAft>
+              <a:buClrTx/>
+              <a:buSzTx/>
+              <a:buFontTx/>
+              <a:buNone/>
+              <a:tabLst/>
+              <a:defRPr/>
+            </a:pPr>
+            <a:endParaRPr kumimoji="0" lang="en-US" sz="1800" b="0" i="0" u="none" strike="noStrike" kern="1200" cap="none" spc="0" normalizeH="0" baseline="0" noProof="0">
+              <a:ln>
+                <a:noFill/>
+              </a:ln>
+              <a:solidFill>
+                <a:prstClr val="white"/>
+              </a:solidFill>
+              <a:effectLst/>
+              <a:uLnTx/>
+              <a:uFillTx/>
+              <a:latin typeface="Calibri" panose="020F0502020204030204"/>
+              <a:ea typeface="+mn-ea"/>
+              <a:cs typeface="+mn-cs"/>
+            </a:endParaRPr>
+          </a:p>
+        </p:txBody>
+      </p:sp>
+      <p:sp>
+        <p:nvSpPr>
+          <p:cNvPr id="4" name="Text Placeholder 3">
+            <a:extLst>
+              <a:ext uri="{FF2B5EF4-FFF2-40B4-BE49-F238E27FC236}">
+                <a16:creationId xmlns:a16="http://schemas.microsoft.com/office/drawing/2014/main" id="{58A7B1BB-7289-4408-83EE-0DCF5A89EAA9}"/>
+              </a:ext>
+            </a:extLst>
+          </p:cNvPr>
+          <p:cNvSpPr>
+            <a:spLocks noGrp="1"/>
+          </p:cNvSpPr>
+          <p:nvPr>
+            <p:ph type="body" sz="half" idx="2"/>
+          </p:nvPr>
+        </p:nvSpPr>
+        <p:spPr>
+          <a:xfrm>
+            <a:off x="8029319" y="917725"/>
+            <a:ext cx="3424739" cy="4852362"/>
+          </a:xfrm>
+        </p:spPr>
+        <p:txBody>
+          <a:bodyPr vert="horz" lIns="91440" tIns="45720" rIns="91440" bIns="45720" rtlCol="0" anchor="ctr">
+            <a:normAutofit/>
+          </a:bodyPr>
+          <a:lstStyle/>
+          <a:p>
+            <a:pPr indent="-228600">
+              <a:buFont typeface="Arial" panose="020B0604020202020204" pitchFamily="34" charset="0"/>
+              <a:buChar char="•"/>
+            </a:pPr>
+            <a:r>
+              <a:rPr lang="en-US" sz="2000" dirty="0">
+                <a:solidFill>
+                  <a:srgbClr val="FFFFFF"/>
+                </a:solidFill>
+              </a:rPr>
+              <a:t>David, Bobby and </a:t>
+            </a:r>
+            <a:r>
+              <a:rPr lang="en-US" sz="2000" dirty="0" err="1">
+                <a:solidFill>
+                  <a:srgbClr val="FFFFFF"/>
+                </a:solidFill>
+              </a:rPr>
+              <a:t>Dannis</a:t>
+            </a:r>
+            <a:r>
+              <a:rPr lang="en-US" sz="2000" dirty="0">
+                <a:solidFill>
+                  <a:srgbClr val="FFFFFF"/>
+                </a:solidFill>
+              </a:rPr>
+              <a:t> Hackney</a:t>
+            </a:r>
+          </a:p>
+          <a:p>
+            <a:pPr indent="-228600">
+              <a:buFont typeface="Arial" panose="020B0604020202020204" pitchFamily="34" charset="0"/>
+              <a:buChar char="•"/>
+            </a:pPr>
+            <a:r>
+              <a:rPr lang="en-US" sz="2000" dirty="0">
+                <a:solidFill>
+                  <a:srgbClr val="FFFFFF"/>
+                </a:solidFill>
+              </a:rPr>
+              <a:t>Detroit</a:t>
+            </a:r>
+          </a:p>
+          <a:p>
+            <a:pPr indent="-228600">
+              <a:buFont typeface="Arial" panose="020B0604020202020204" pitchFamily="34" charset="0"/>
+              <a:buChar char="•"/>
+            </a:pPr>
+            <a:r>
+              <a:rPr lang="en-US" sz="2000" dirty="0">
+                <a:solidFill>
+                  <a:srgbClr val="FFFFFF"/>
+                </a:solidFill>
+              </a:rPr>
+              <a:t>Father introduced them to rock and roll.</a:t>
+            </a:r>
+          </a:p>
+          <a:p>
+            <a:pPr indent="-228600">
+              <a:buFont typeface="Arial" panose="020B0604020202020204" pitchFamily="34" charset="0"/>
+              <a:buChar char="•"/>
+            </a:pPr>
+            <a:r>
+              <a:rPr lang="en-US" sz="2000" dirty="0">
+                <a:solidFill>
+                  <a:srgbClr val="FFFFFF"/>
+                </a:solidFill>
+              </a:rPr>
+              <a:t>Father died.</a:t>
+            </a:r>
+          </a:p>
+          <a:p>
+            <a:pPr indent="-228600">
+              <a:buFont typeface="Arial" panose="020B0604020202020204" pitchFamily="34" charset="0"/>
+              <a:buChar char="•"/>
+            </a:pPr>
+            <a:r>
+              <a:rPr lang="en-US" sz="2000" dirty="0">
+                <a:solidFill>
+                  <a:srgbClr val="FFFFFF"/>
+                </a:solidFill>
+              </a:rPr>
+              <a:t>Band tried to be successful without changing name.</a:t>
+            </a:r>
+          </a:p>
+          <a:p>
+            <a:pPr indent="-228600">
+              <a:buFont typeface="Arial" panose="020B0604020202020204" pitchFamily="34" charset="0"/>
+              <a:buChar char="•"/>
+            </a:pPr>
+            <a:r>
+              <a:rPr lang="en-US" sz="2000" dirty="0">
+                <a:solidFill>
+                  <a:srgbClr val="FFFFFF"/>
+                </a:solidFill>
+              </a:rPr>
+              <a:t>“Politicians in My Eyes”:</a:t>
+            </a:r>
+          </a:p>
+          <a:p>
+            <a:pPr indent="-228600">
+              <a:buFont typeface="Arial" panose="020B0604020202020204" pitchFamily="34" charset="0"/>
+              <a:buChar char="•"/>
+            </a:pPr>
+            <a:r>
+              <a:rPr lang="en-US" sz="2000" dirty="0">
+                <a:solidFill>
+                  <a:srgbClr val="FFFFFF"/>
+                </a:solidFill>
+                <a:hlinkClick r:id="rId3"/>
+              </a:rPr>
+              <a:t>https://www.youtube.com/watch?v=rl3FstCc_OY</a:t>
+            </a:r>
+            <a:endParaRPr lang="en-US" sz="2000" dirty="0">
+              <a:solidFill>
+                <a:srgbClr val="FFFFFF"/>
+              </a:solidFill>
+            </a:endParaRPr>
+          </a:p>
+        </p:txBody>
+      </p:sp>
     </p:spTree>
     <p:extLst>
       <p:ext uri="{BB962C8B-B14F-4D97-AF65-F5344CB8AC3E}">
-        <p14:creationId xmlns:p14="http://schemas.microsoft.com/office/powerpoint/2010/main" val="2090367407"/>
+        <p14:creationId xmlns:p14="http://schemas.microsoft.com/office/powerpoint/2010/main" val="1787016478"/>
       </p:ext>
     </p:extLst>
   </p:cSld>
@@ -4820,119 +5312,173 @@
         </p:nvSpPr>
         <p:spPr/>
         <p:txBody>
+          <a:bodyPr/>
+          <a:lstStyle/>
+          <a:p>
+            <a:r>
+              <a:rPr lang="en-US" dirty="0">
+                <a:latin typeface="Broadway" panose="04040905080B02020502" pitchFamily="82" charset="0"/>
+              </a:rPr>
+              <a:t>Patti Smith and the CBGB</a:t>
+            </a:r>
+          </a:p>
+        </p:txBody>
+      </p:sp>
+      <p:sp>
+        <p:nvSpPr>
+          <p:cNvPr id="3" name="Content Placeholder 2"/>
+          <p:cNvSpPr>
+            <a:spLocks noGrp="1"/>
+          </p:cNvSpPr>
+          <p:nvPr>
+            <p:ph idx="1"/>
+          </p:nvPr>
+        </p:nvSpPr>
+        <p:spPr>
+          <a:xfrm>
+            <a:off x="436098" y="1825624"/>
+            <a:ext cx="8271804" cy="4486275"/>
+          </a:xfrm>
+        </p:spPr>
+        <p:txBody>
           <a:bodyPr>
-            <a:normAutofit/>
+            <a:normAutofit fontScale="92500" lnSpcReduction="20000"/>
           </a:bodyPr>
           <a:lstStyle/>
           <a:p>
             <a:r>
-              <a:rPr lang="en-US" sz="7200" dirty="0">
-                <a:latin typeface="Aharoni" panose="02010803020104030203" pitchFamily="2" charset="-79"/>
-                <a:cs typeface="Aharoni" panose="02010803020104030203" pitchFamily="2" charset="-79"/>
-              </a:rPr>
-              <a:t>the Ramones, 1974-1996</a:t>
-            </a:r>
-          </a:p>
-        </p:txBody>
-      </p:sp>
-      <p:sp>
-        <p:nvSpPr>
-          <p:cNvPr id="3" name="Content Placeholder 2"/>
-          <p:cNvSpPr>
-            <a:spLocks noGrp="1"/>
-          </p:cNvSpPr>
-          <p:nvPr>
-            <p:ph idx="1"/>
-          </p:nvPr>
-        </p:nvSpPr>
-        <p:spPr/>
-        <p:txBody>
-          <a:bodyPr>
-            <a:normAutofit lnSpcReduction="10000"/>
-          </a:bodyPr>
-          <a:lstStyle/>
-          <a:p>
-            <a:r>
-              <a:rPr lang="en-US" dirty="0"/>
-              <a:t>Formed in Queens, NY; all original members attended Forest Hills High School.</a:t>
-            </a:r>
-          </a:p>
-          <a:p>
-            <a:r>
-              <a:rPr lang="en-US" dirty="0"/>
-              <a:t>Douglas Colvin became Dee </a:t>
-            </a:r>
+              <a:rPr lang="en-US" dirty="0"/>
+              <a:t>Patti Smith, born </a:t>
+            </a:r>
+            <a:r>
+              <a:rPr lang="en-US" b="1" dirty="0"/>
+              <a:t>Patricia Lee</a:t>
+            </a:r>
+            <a:r>
+              <a:rPr lang="en-US" dirty="0"/>
+              <a:t> </a:t>
+            </a:r>
+            <a:r>
+              <a:rPr lang="en-US" b="1" dirty="0"/>
+              <a:t>Smith</a:t>
+            </a:r>
+            <a:r>
+              <a:rPr lang="en-US" dirty="0"/>
+              <a:t>, 30 December 1946, in Chicago.</a:t>
+            </a:r>
+          </a:p>
+          <a:p>
+            <a:r>
+              <a:rPr lang="en-US" dirty="0"/>
+              <a:t>Raised in working-class, bible educated household: “I, the country mouse.”</a:t>
+            </a:r>
+          </a:p>
+          <a:p>
+            <a:r>
+              <a:rPr lang="en-US" dirty="0"/>
+              <a:t>Rejected these as a teenager; mother was Jehovah’s Witness, but gave her a classic Bob Dylan LP.</a:t>
+            </a:r>
+          </a:p>
+          <a:p>
+            <a:r>
+              <a:rPr lang="en-US" dirty="0"/>
+              <a:t>Robert Mapplethorpe (1946-1989): photographer, lover (</a:t>
+            </a:r>
+            <a:r>
+              <a:rPr lang="en-US" i="1" dirty="0"/>
+              <a:t>Just Kids</a:t>
+            </a:r>
+            <a:r>
+              <a:rPr lang="en-US" dirty="0"/>
+              <a:t>).</a:t>
+            </a:r>
+          </a:p>
+          <a:p>
+            <a:r>
+              <a:rPr lang="en-US" dirty="0"/>
+              <a:t>CBGB, performed long before contract</a:t>
+            </a:r>
+          </a:p>
+          <a:p>
+            <a:r>
+              <a:rPr lang="en-US" dirty="0"/>
+              <a:t>Debut album: </a:t>
+            </a:r>
+            <a:r>
+              <a:rPr lang="en-US" i="1" dirty="0"/>
+              <a:t>Horses</a:t>
+            </a:r>
+            <a:r>
+              <a:rPr lang="en-US" dirty="0"/>
+              <a:t> (1975)</a:t>
+            </a:r>
+          </a:p>
+          <a:p>
             <a:r>
               <a:rPr lang="en-US" dirty="0" err="1"/>
-              <a:t>Dee</a:t>
-            </a:r>
-            <a:r>
-              <a:rPr lang="en-US" dirty="0"/>
-              <a:t> Ramone (after Paul McCartney): bass</a:t>
-            </a:r>
-          </a:p>
-          <a:p>
-            <a:r>
-              <a:rPr lang="en-US" dirty="0"/>
-              <a:t>John Cummings became Johnny Ramone: lead guitar</a:t>
-            </a:r>
-          </a:p>
-          <a:p>
-            <a:r>
-              <a:rPr lang="en-US" dirty="0"/>
-              <a:t>Jeffrey Hyman became Joey Ramone: drums, then guitar</a:t>
-            </a:r>
-          </a:p>
-          <a:p>
-            <a:r>
-              <a:rPr lang="en-US" dirty="0"/>
-              <a:t>Thomas </a:t>
-            </a:r>
-            <a:r>
-              <a:rPr lang="en-US" dirty="0" err="1"/>
-              <a:t>Erdelyi</a:t>
-            </a:r>
-            <a:r>
-              <a:rPr lang="en-US" dirty="0"/>
-              <a:t> became Tommy Ramone: drums</a:t>
-            </a:r>
-          </a:p>
-          <a:p>
-            <a:r>
-              <a:rPr lang="en-US" dirty="0"/>
-              <a:t>Later Marc Bell became Marky Ramone: drums</a:t>
-            </a:r>
-          </a:p>
-          <a:p>
-            <a:r>
-              <a:rPr lang="en-US" dirty="0"/>
-              <a:t>Music was very fast and brief: </a:t>
-            </a:r>
-          </a:p>
-          <a:p>
+              <a:t>Them’s</a:t>
+            </a:r>
+            <a:r>
+              <a:rPr lang="en-US" dirty="0"/>
+              <a:t> “Gloria”: </a:t>
+            </a:r>
             <a:r>
               <a:rPr lang="en-US" dirty="0">
                 <a:hlinkClick r:id="rId2"/>
               </a:rPr>
-              <a:t>https://www.youtube.com/watch?v=IwsVWZ-c8Eo</a:t>
+              <a:t>https://www.youtube.com/watch?v=TNQtz6Ajvfg</a:t>
             </a:r>
             <a:endParaRPr lang="en-US" dirty="0"/>
           </a:p>
           <a:p>
             <a:endParaRPr lang="en-US" dirty="0"/>
           </a:p>
-          <a:p>
-            <a:endParaRPr lang="en-US" dirty="0"/>
-          </a:p>
-          <a:p>
-            <a:endParaRPr lang="en-US" dirty="0"/>
-          </a:p>
-        </p:txBody>
-      </p:sp>
+        </p:txBody>
+      </p:sp>
+      <p:pic>
+        <p:nvPicPr>
+          <p:cNvPr id="4" name="Picture 3"/>
+          <p:cNvPicPr>
+            <a:picLocks noChangeAspect="1"/>
+          </p:cNvPicPr>
+          <p:nvPr/>
+        </p:nvPicPr>
+        <p:blipFill>
+          <a:blip r:embed="rId3">
+            <a:extLst>
+              <a:ext uri="{28A0092B-C50C-407E-A947-70E740481C1C}">
+                <a14:useLocalDpi xmlns:a14="http://schemas.microsoft.com/office/drawing/2010/main" val="0"/>
+              </a:ext>
+            </a:extLst>
+          </a:blip>
+          <a:stretch>
+            <a:fillRect/>
+          </a:stretch>
+        </p:blipFill>
+        <p:spPr>
+          <a:xfrm>
+            <a:off x="8770522" y="1386448"/>
+            <a:ext cx="3115213" cy="3115213"/>
+          </a:xfrm>
+          <a:prstGeom prst="rect">
+            <a:avLst/>
+          </a:prstGeom>
+          <a:ln>
+            <a:noFill/>
+          </a:ln>
+          <a:effectLst>
+            <a:outerShdw blurRad="292100" dist="139700" dir="2700000" algn="tl" rotWithShape="0">
+              <a:srgbClr val="333333">
+                <a:alpha val="65000"/>
+              </a:srgbClr>
+            </a:outerShdw>
+          </a:effectLst>
+        </p:spPr>
+      </p:pic>
     </p:spTree>
     <p:extLst>
       <p:ext uri="{BB962C8B-B14F-4D97-AF65-F5344CB8AC3E}">
-        <p14:creationId xmlns:p14="http://schemas.microsoft.com/office/powerpoint/2010/main" val="183052123"/>
+        <p14:creationId xmlns:p14="http://schemas.microsoft.com/office/powerpoint/2010/main" val="2090367407"/>
       </p:ext>
     </p:extLst>
   </p:cSld>
@@ -4969,6 +5515,157 @@
             <p:ph type="title"/>
           </p:nvPr>
         </p:nvSpPr>
+        <p:spPr/>
+        <p:txBody>
+          <a:bodyPr>
+            <a:normAutofit/>
+          </a:bodyPr>
+          <a:lstStyle/>
+          <a:p>
+            <a:r>
+              <a:rPr lang="en-US" sz="7200" dirty="0">
+                <a:latin typeface="Aharoni" panose="02010803020104030203" pitchFamily="2" charset="-79"/>
+                <a:cs typeface="Aharoni" panose="02010803020104030203" pitchFamily="2" charset="-79"/>
+              </a:rPr>
+              <a:t>the Ramones, 1974-1996</a:t>
+            </a:r>
+          </a:p>
+        </p:txBody>
+      </p:sp>
+      <p:sp>
+        <p:nvSpPr>
+          <p:cNvPr id="3" name="Content Placeholder 2"/>
+          <p:cNvSpPr>
+            <a:spLocks noGrp="1"/>
+          </p:cNvSpPr>
+          <p:nvPr>
+            <p:ph idx="1"/>
+          </p:nvPr>
+        </p:nvSpPr>
+        <p:spPr/>
+        <p:txBody>
+          <a:bodyPr>
+            <a:normAutofit lnSpcReduction="10000"/>
+          </a:bodyPr>
+          <a:lstStyle/>
+          <a:p>
+            <a:r>
+              <a:rPr lang="en-US" dirty="0"/>
+              <a:t>Formed in Queens, NY; all original members attended Forest Hills High School.</a:t>
+            </a:r>
+          </a:p>
+          <a:p>
+            <a:r>
+              <a:rPr lang="en-US" dirty="0"/>
+              <a:t>Douglas Colvin became Dee </a:t>
+            </a:r>
+            <a:r>
+              <a:rPr lang="en-US" dirty="0" err="1"/>
+              <a:t>Dee</a:t>
+            </a:r>
+            <a:r>
+              <a:rPr lang="en-US" dirty="0"/>
+              <a:t> Ramone (after Paul McCartney): bass</a:t>
+            </a:r>
+          </a:p>
+          <a:p>
+            <a:r>
+              <a:rPr lang="en-US" dirty="0"/>
+              <a:t>John Cummings became Johnny Ramone: lead guitar</a:t>
+            </a:r>
+          </a:p>
+          <a:p>
+            <a:r>
+              <a:rPr lang="en-US" dirty="0"/>
+              <a:t>Jeffrey Hyman became Joey Ramone: drums, then guitar</a:t>
+            </a:r>
+          </a:p>
+          <a:p>
+            <a:r>
+              <a:rPr lang="en-US" dirty="0"/>
+              <a:t>Thomas </a:t>
+            </a:r>
+            <a:r>
+              <a:rPr lang="en-US" dirty="0" err="1"/>
+              <a:t>Erdelyi</a:t>
+            </a:r>
+            <a:r>
+              <a:rPr lang="en-US" dirty="0"/>
+              <a:t> became Tommy Ramone: drums</a:t>
+            </a:r>
+          </a:p>
+          <a:p>
+            <a:r>
+              <a:rPr lang="en-US" dirty="0"/>
+              <a:t>Later Marc Bell became Marky Ramone: drums</a:t>
+            </a:r>
+          </a:p>
+          <a:p>
+            <a:r>
+              <a:rPr lang="en-US" dirty="0"/>
+              <a:t>Music was very fast and brief: </a:t>
+            </a:r>
+          </a:p>
+          <a:p>
+            <a:r>
+              <a:rPr lang="en-US" dirty="0">
+                <a:hlinkClick r:id="rId2"/>
+              </a:rPr>
+              <a:t>https://www.youtube.com/watch?v=IwsVWZ-c8Eo</a:t>
+            </a:r>
+            <a:endParaRPr lang="en-US" dirty="0"/>
+          </a:p>
+          <a:p>
+            <a:endParaRPr lang="en-US" dirty="0"/>
+          </a:p>
+          <a:p>
+            <a:endParaRPr lang="en-US" dirty="0"/>
+          </a:p>
+          <a:p>
+            <a:endParaRPr lang="en-US" dirty="0"/>
+          </a:p>
+        </p:txBody>
+      </p:sp>
+    </p:spTree>
+    <p:extLst>
+      <p:ext uri="{BB962C8B-B14F-4D97-AF65-F5344CB8AC3E}">
+        <p14:creationId xmlns:p14="http://schemas.microsoft.com/office/powerpoint/2010/main" val="183052123"/>
+      </p:ext>
+    </p:extLst>
+  </p:cSld>
+  <p:clrMapOvr>
+    <a:masterClrMapping/>
+  </p:clrMapOvr>
+</p:sld>
+</file>
+
+<file path=ppt/slides/slide8.xml><?xml version="1.0" encoding="utf-8"?>
+<p:sld xmlns:a="http://schemas.openxmlformats.org/drawingml/2006/main" xmlns:r="http://schemas.openxmlformats.org/officeDocument/2006/relationships" xmlns:p="http://schemas.openxmlformats.org/presentationml/2006/main">
+  <p:cSld>
+    <p:spTree>
+      <p:nvGrpSpPr>
+        <p:cNvPr id="1" name=""/>
+        <p:cNvGrpSpPr/>
+        <p:nvPr/>
+      </p:nvGrpSpPr>
+      <p:grpSpPr>
+        <a:xfrm>
+          <a:off x="0" y="0"/>
+          <a:ext cx="0" cy="0"/>
+          <a:chOff x="0" y="0"/>
+          <a:chExt cx="0" cy="0"/>
+        </a:xfrm>
+      </p:grpSpPr>
+      <p:sp>
+        <p:nvSpPr>
+          <p:cNvPr id="2" name="Title 1"/>
+          <p:cNvSpPr>
+            <a:spLocks noGrp="1"/>
+          </p:cNvSpPr>
+          <p:nvPr>
+            <p:ph type="title"/>
+          </p:nvPr>
+        </p:nvSpPr>
         <p:spPr>
           <a:xfrm>
             <a:off x="324319" y="115911"/>
@@ -5027,8 +5724,24 @@
           <a:p>
             <a:r>
               <a:rPr lang="en-US" dirty="0"/>
-              <a:t>Femme Fatale at the CBGB: https://www.youtube.com/watch?v=WpnWD-ZQ6TU </a:t>
-            </a:r>
+              <a:t>“Rip her to shreds” at the CBGB: </a:t>
+            </a:r>
+          </a:p>
+          <a:p>
+            <a:pPr marL="0" indent="0">
+              <a:buNone/>
+            </a:pPr>
+            <a:r>
+              <a:rPr lang="en-US" dirty="0"/>
+              <a:t> </a:t>
+            </a:r>
+            <a:r>
+              <a:rPr lang="en-CA" dirty="0">
+                <a:hlinkClick r:id="rId2"/>
+              </a:rPr>
+              <a:t>https://www.youtube.com/watch?v=qNSLPLkGQF0</a:t>
+            </a:r>
+            <a:endParaRPr lang="en-US" dirty="0"/>
           </a:p>
           <a:p>
             <a:r>
@@ -5057,7 +5770,7 @@
             </a:r>
             <a:r>
               <a:rPr lang="en-US" dirty="0">
-                <a:hlinkClick r:id="rId2"/>
+                <a:hlinkClick r:id="rId3"/>
               </a:rPr>
               <a:t>https://www.youtube.com/watch?v=AsYbMnQd6c8</a:t>
             </a:r>
@@ -5077,7 +5790,7 @@
           <p:nvPr/>
         </p:nvPicPr>
         <p:blipFill>
-          <a:blip r:embed="rId3">
+          <a:blip r:embed="rId4">
             <a:extLst>
               <a:ext uri="{28A0092B-C50C-407E-A947-70E740481C1C}">
                 <a14:useLocalDpi xmlns:a14="http://schemas.microsoft.com/office/drawing/2010/main" val="0"/>
@@ -5111,163 +5824,6 @@
 </p:sld>
 </file>
 
-<file path=ppt/slides/slide8.xml><?xml version="1.0" encoding="utf-8"?>
-<p:sld xmlns:a="http://schemas.openxmlformats.org/drawingml/2006/main" xmlns:r="http://schemas.openxmlformats.org/officeDocument/2006/relationships" xmlns:p="http://schemas.openxmlformats.org/presentationml/2006/main">
-  <p:cSld>
-    <p:spTree>
-      <p:nvGrpSpPr>
-        <p:cNvPr id="1" name=""/>
-        <p:cNvGrpSpPr/>
-        <p:nvPr/>
-      </p:nvGrpSpPr>
-      <p:grpSpPr>
-        <a:xfrm>
-          <a:off x="0" y="0"/>
-          <a:ext cx="0" cy="0"/>
-          <a:chOff x="0" y="0"/>
-          <a:chExt cx="0" cy="0"/>
-        </a:xfrm>
-      </p:grpSpPr>
-      <p:sp>
-        <p:nvSpPr>
-          <p:cNvPr id="2" name="Title 1"/>
-          <p:cNvSpPr>
-            <a:spLocks noGrp="1"/>
-          </p:cNvSpPr>
-          <p:nvPr>
-            <p:ph type="title"/>
-          </p:nvPr>
-        </p:nvSpPr>
-        <p:spPr/>
-        <p:txBody>
-          <a:bodyPr>
-            <a:normAutofit/>
-          </a:bodyPr>
-          <a:lstStyle/>
-          <a:p>
-            <a:r>
-              <a:rPr lang="en-US" sz="6600" b="1" dirty="0">
-                <a:latin typeface="Aharoni" panose="02010803020104030203" pitchFamily="2" charset="-79"/>
-                <a:cs typeface="Aharoni" panose="02010803020104030203" pitchFamily="2" charset="-79"/>
-              </a:rPr>
-              <a:t>Talking Heads, 1975-1991</a:t>
-            </a:r>
-          </a:p>
-        </p:txBody>
-      </p:sp>
-      <p:sp>
-        <p:nvSpPr>
-          <p:cNvPr id="3" name="Content Placeholder 2"/>
-          <p:cNvSpPr>
-            <a:spLocks noGrp="1"/>
-          </p:cNvSpPr>
-          <p:nvPr>
-            <p:ph idx="1"/>
-          </p:nvPr>
-        </p:nvSpPr>
-        <p:spPr>
-          <a:xfrm>
-            <a:off x="399245" y="1690688"/>
-            <a:ext cx="10954555" cy="4486275"/>
-          </a:xfrm>
-        </p:spPr>
-        <p:txBody>
-          <a:bodyPr>
-            <a:normAutofit fontScale="92500" lnSpcReduction="10000"/>
-          </a:bodyPr>
-          <a:lstStyle/>
-          <a:p>
-            <a:r>
-              <a:rPr lang="en-US" dirty="0"/>
-              <a:t>Met at Rhode Island School of Design</a:t>
-            </a:r>
-          </a:p>
-          <a:p>
-            <a:r>
-              <a:rPr lang="en-US" dirty="0"/>
-              <a:t>David Byrne (guitar, vocals)</a:t>
-            </a:r>
-          </a:p>
-          <a:p>
-            <a:r>
-              <a:rPr lang="en-US" dirty="0"/>
-              <a:t>Tina Weymouth (transportation, emotional support, and then bass guitar)</a:t>
-            </a:r>
-          </a:p>
-          <a:p>
-            <a:r>
-              <a:rPr lang="en-US" dirty="0"/>
-              <a:t>Chris Frantz (drums)</a:t>
-            </a:r>
-          </a:p>
-          <a:p>
-            <a:r>
-              <a:rPr lang="en-US" dirty="0"/>
-              <a:t>Jerry Harrison (guitar, keyboards)</a:t>
-            </a:r>
-          </a:p>
-          <a:p>
-            <a:r>
-              <a:rPr lang="en-US" dirty="0"/>
-              <a:t>Punk, art rock, funk, dance, post punk, new wave, but always avant-garde.</a:t>
-            </a:r>
-          </a:p>
-          <a:p>
-            <a:r>
-              <a:rPr lang="en-US" dirty="0"/>
-              <a:t>First big hit: “Psycho Killer” (1975, released 1977): </a:t>
-            </a:r>
-            <a:r>
-              <a:rPr lang="en-US" dirty="0">
-                <a:hlinkClick r:id="rId2"/>
-              </a:rPr>
-              <a:t>https://www.youtube.com/watch?v=xNGutllSRsA</a:t>
-            </a:r>
-            <a:endParaRPr lang="en-US" dirty="0"/>
-          </a:p>
-          <a:p>
-            <a:r>
-              <a:rPr lang="en-US" dirty="0"/>
-              <a:t>Martin </a:t>
-            </a:r>
-            <a:r>
-              <a:rPr lang="en-US" dirty="0" err="1"/>
-              <a:t>Scorcese’s</a:t>
-            </a:r>
-            <a:r>
-              <a:rPr lang="en-US" dirty="0"/>
-              <a:t> film </a:t>
-            </a:r>
-            <a:r>
-              <a:rPr lang="en-US" i="1" dirty="0"/>
-              <a:t>Taxi Driver</a:t>
-            </a:r>
-            <a:r>
-              <a:rPr lang="en-US" dirty="0"/>
-              <a:t> (1976)</a:t>
-            </a:r>
-          </a:p>
-          <a:p>
-            <a:r>
-              <a:rPr lang="en-US" dirty="0"/>
-              <a:t>“Son of Sam” killer terrorized NYC.</a:t>
-            </a:r>
-          </a:p>
-        </p:txBody>
-      </p:sp>
-    </p:spTree>
-    <p:extLst>
-      <p:ext uri="{BB962C8B-B14F-4D97-AF65-F5344CB8AC3E}">
-        <p14:creationId xmlns:p14="http://schemas.microsoft.com/office/powerpoint/2010/main" val="3229286466"/>
-      </p:ext>
-    </p:extLst>
-  </p:cSld>
-  <p:clrMapOvr>
-    <a:masterClrMapping/>
-  </p:clrMapOvr>
-</p:sld>
-</file>
-
 <file path=ppt/slides/slide9.xml><?xml version="1.0" encoding="utf-8"?>
 <p:sld xmlns:a="http://schemas.openxmlformats.org/drawingml/2006/main" xmlns:r="http://schemas.openxmlformats.org/officeDocument/2006/relationships" xmlns:p="http://schemas.openxmlformats.org/presentationml/2006/main">
   <p:cSld>
@@ -5295,24 +5851,19 @@
             <p:ph type="title"/>
           </p:nvPr>
         </p:nvSpPr>
-        <p:spPr>
-          <a:xfrm>
-            <a:off x="838200" y="365125"/>
-            <a:ext cx="11023242" cy="781095"/>
-          </a:xfrm>
-        </p:spPr>
+        <p:spPr/>
         <p:txBody>
           <a:bodyPr>
-            <a:noAutofit/>
+            <a:normAutofit/>
           </a:bodyPr>
           <a:lstStyle/>
           <a:p>
             <a:r>
-              <a:rPr lang="en-US" sz="6000" i="1" dirty="0">
+              <a:rPr lang="en-US" sz="6600" b="1" dirty="0">
                 <a:latin typeface="Aharoni" panose="02010803020104030203" pitchFamily="2" charset="-79"/>
                 <a:cs typeface="Aharoni" panose="02010803020104030203" pitchFamily="2" charset="-79"/>
               </a:rPr>
-              <a:t>Punk Rock, the British Variety</a:t>
+              <a:t>Talking Heads, 1975-1991</a:t>
             </a:r>
           </a:p>
         </p:txBody>
@@ -5329,81 +5880,98 @@
         </p:nvSpPr>
         <p:spPr>
           <a:xfrm>
-            <a:off x="838200" y="1313645"/>
-            <a:ext cx="10515600" cy="4863318"/>
+            <a:off x="399245" y="1690688"/>
+            <a:ext cx="10954555" cy="4486275"/>
           </a:xfrm>
         </p:spPr>
         <p:txBody>
-          <a:bodyPr/>
-          <a:lstStyle/>
-          <a:p>
-            <a:r>
-              <a:rPr lang="en-US" dirty="0"/>
-              <a:t>Old England was dying (</a:t>
+          <a:bodyPr>
+            <a:normAutofit fontScale="92500" lnSpcReduction="10000"/>
+          </a:bodyPr>
+          <a:lstStyle/>
+          <a:p>
+            <a:r>
+              <a:rPr lang="en-US" dirty="0"/>
+              <a:t>Met at Rhode Island School of Design</a:t>
+            </a:r>
+          </a:p>
+          <a:p>
+            <a:r>
+              <a:rPr lang="en-US" dirty="0"/>
+              <a:t>David Byrne (guitar, vocals)</a:t>
+            </a:r>
+          </a:p>
+          <a:p>
+            <a:r>
+              <a:rPr lang="en-US" dirty="0"/>
+              <a:t>Tina Weymouth (transportation, emotional support, and then bass guitar)</a:t>
+            </a:r>
+          </a:p>
+          <a:p>
+            <a:r>
+              <a:rPr lang="en-US" dirty="0"/>
+              <a:t>Chris Frantz (drums)</a:t>
+            </a:r>
+          </a:p>
+          <a:p>
+            <a:r>
+              <a:rPr lang="en-US" dirty="0"/>
+              <a:t>Jerry Harrison (guitar, keyboards)</a:t>
+            </a:r>
+          </a:p>
+          <a:p>
+            <a:r>
+              <a:rPr lang="en-US" dirty="0"/>
+              <a:t>Punk, art rock, funk, dance, post punk, new wave, but always avant-garde.</a:t>
+            </a:r>
+          </a:p>
+          <a:p>
+            <a:r>
+              <a:rPr lang="en-US" dirty="0"/>
+              <a:t>First big hit: “Psycho Killer” (1975, released 1977): </a:t>
+            </a:r>
+            <a:r>
+              <a:rPr lang="en-US" dirty="0">
+                <a:hlinkClick r:id="rId2"/>
+              </a:rPr>
+              <a:t>https://www.youtube.com/watch?v=xNGutllSRsA</a:t>
+            </a:r>
+            <a:endParaRPr lang="en-US" dirty="0"/>
+          </a:p>
+          <a:p>
+            <a:r>
+              <a:rPr lang="en-US" dirty="0"/>
+              <a:t>Martin </a:t>
             </a:r>
             <a:r>
               <a:rPr lang="en-US" dirty="0" err="1"/>
-              <a:t>Waterboys</a:t>
-            </a:r>
-            <a:r>
-              <a:rPr lang="en-US" dirty="0"/>
-              <a:t>, “Old England”, 1985)</a:t>
-            </a:r>
-          </a:p>
-          <a:p>
-            <a:r>
-              <a:rPr lang="en-US" dirty="0"/>
-              <a:t>1974-1977: unemployment from 3.4 to 6%, grew by 200% amongst youths.</a:t>
-            </a:r>
-          </a:p>
-          <a:p>
-            <a:r>
-              <a:rPr lang="en-US" dirty="0"/>
-              <a:t>1976: inflation rate of 22.7%</a:t>
-            </a:r>
-          </a:p>
-          <a:p>
-            <a:r>
-              <a:rPr lang="en-US" dirty="0"/>
-              <a:t>1977: inflation rate of 16.7%</a:t>
-            </a:r>
-          </a:p>
-          <a:p>
-            <a:r>
-              <a:rPr lang="en-US" dirty="0"/>
-              <a:t>1976: UK government applied and received a 3.6 billion pound loan from IMF.</a:t>
-            </a:r>
-          </a:p>
-          <a:p>
-            <a:r>
-              <a:rPr lang="en-US" dirty="0"/>
-              <a:t>Dying empire: de-colonization</a:t>
-            </a:r>
-          </a:p>
-          <a:p>
-            <a:r>
-              <a:rPr lang="en-US" dirty="0"/>
-              <a:t>Youth unemployment</a:t>
-            </a:r>
-          </a:p>
-          <a:p>
-            <a:r>
-              <a:rPr lang="en-US" dirty="0"/>
-              <a:t>High inflation</a:t>
-            </a:r>
-          </a:p>
-          <a:p>
-            <a:endParaRPr lang="en-US" dirty="0"/>
-          </a:p>
-          <a:p>
-            <a:endParaRPr lang="en-US" dirty="0"/>
+              <a:t>Scorcese’s</a:t>
+            </a:r>
+            <a:r>
+              <a:rPr lang="en-US" dirty="0"/>
+              <a:t> film </a:t>
+            </a:r>
+            <a:r>
+              <a:rPr lang="en-US" i="1" dirty="0"/>
+              <a:t>Taxi Driver</a:t>
+            </a:r>
+            <a:r>
+              <a:rPr lang="en-US" dirty="0"/>
+              <a:t> (1976)</a:t>
+            </a:r>
+          </a:p>
+          <a:p>
+            <a:r>
+              <a:rPr lang="en-US" dirty="0"/>
+              <a:t>“Son of Sam” killer terrorized NYC.</a:t>
+            </a:r>
           </a:p>
         </p:txBody>
       </p:sp>
     </p:spTree>
     <p:extLst>
       <p:ext uri="{BB962C8B-B14F-4D97-AF65-F5344CB8AC3E}">
-        <p14:creationId xmlns:p14="http://schemas.microsoft.com/office/powerpoint/2010/main" val="3055676446"/>
+        <p14:creationId xmlns:p14="http://schemas.microsoft.com/office/powerpoint/2010/main" val="3229286466"/>
       </p:ext>
     </p:extLst>
   </p:cSld>
